--- a/mount-george-r-pbi-exploration.pptx
+++ b/mount-george-r-pbi-exploration.pptx
@@ -5,7 +5,7 @@
     <p:sldMasterId id="2147483648" r:id="rId4"/>
   </p:sldMasterIdLst>
   <p:notesMasterIdLst>
-    <p:notesMasterId r:id="rId24"/>
+    <p:notesMasterId r:id="rId22"/>
   </p:notesMasterIdLst>
   <p:sldIdLst>
     <p:sldId id="256" r:id="rId5"/>
@@ -15,70 +15,64 @@
     <p:sldId id="258" r:id="rId9"/>
     <p:sldId id="274" r:id="rId10"/>
     <p:sldId id="277" r:id="rId11"/>
-    <p:sldId id="279" r:id="rId12"/>
-    <p:sldId id="275" r:id="rId13"/>
-    <p:sldId id="273" r:id="rId14"/>
-    <p:sldId id="278" r:id="rId15"/>
-    <p:sldId id="276" r:id="rId16"/>
-    <p:sldId id="261" r:id="rId17"/>
-    <p:sldId id="263" r:id="rId18"/>
-    <p:sldId id="257" r:id="rId19"/>
-    <p:sldId id="262" r:id="rId20"/>
-    <p:sldId id="264" r:id="rId21"/>
-    <p:sldId id="265" r:id="rId22"/>
-    <p:sldId id="266" r:id="rId23"/>
+    <p:sldId id="275" r:id="rId12"/>
+    <p:sldId id="273" r:id="rId13"/>
+    <p:sldId id="278" r:id="rId14"/>
+    <p:sldId id="276" r:id="rId15"/>
+    <p:sldId id="282" r:id="rId16"/>
+    <p:sldId id="263" r:id="rId17"/>
+    <p:sldId id="261" r:id="rId18"/>
+    <p:sldId id="280" r:id="rId19"/>
+    <p:sldId id="281" r:id="rId20"/>
+    <p:sldId id="262" r:id="rId21"/>
   </p:sldIdLst>
   <p:sldSz cx="18288000" cy="10287000"/>
   <p:notesSz cx="6858000" cy="9144000"/>
   <p:embeddedFontLst>
     <p:embeddedFont>
-      <p:font typeface="Arimo" panose="020B0604020202020204" charset="0"/>
-      <p:regular r:id="rId25"/>
-    </p:embeddedFont>
-    <p:embeddedFont>
       <p:font typeface="Calibri" panose="020F0502020204030204" pitchFamily="34" charset="0"/>
-      <p:regular r:id="rId26"/>
-      <p:bold r:id="rId27"/>
-      <p:italic r:id="rId28"/>
-      <p:boldItalic r:id="rId29"/>
+      <p:regular r:id="rId23"/>
+      <p:bold r:id="rId24"/>
+      <p:italic r:id="rId25"/>
+      <p:boldItalic r:id="rId26"/>
     </p:embeddedFont>
     <p:embeddedFont>
       <p:font typeface="Consolas" panose="020B0609020204030204" pitchFamily="49" charset="0"/>
-      <p:regular r:id="rId30"/>
-      <p:bold r:id="rId31"/>
-      <p:italic r:id="rId32"/>
-      <p:boldItalic r:id="rId33"/>
+      <p:regular r:id="rId27"/>
+      <p:bold r:id="rId28"/>
+      <p:italic r:id="rId29"/>
+      <p:boldItalic r:id="rId30"/>
     </p:embeddedFont>
     <p:embeddedFont>
       <p:font typeface="Fira Sans" panose="020B0503050000020004" pitchFamily="34" charset="0"/>
-      <p:regular r:id="rId34"/>
-      <p:bold r:id="rId35"/>
-      <p:italic r:id="rId36"/>
+      <p:regular r:id="rId31"/>
+      <p:bold r:id="rId32"/>
+      <p:italic r:id="rId33"/>
+      <p:boldItalic r:id="rId34"/>
+    </p:embeddedFont>
+    <p:embeddedFont>
+      <p:font typeface="Fira Sans Black" panose="020B0A03050000020004" pitchFamily="34" charset="0"/>
+      <p:regular r:id="rId35"/>
+      <p:bold r:id="rId36"/>
       <p:boldItalic r:id="rId37"/>
     </p:embeddedFont>
     <p:embeddedFont>
-      <p:font typeface="Fira Sans Black" panose="020B0A03050000020004" pitchFamily="34" charset="0"/>
+      <p:font typeface="Fira Sans Bold" panose="020B0803050000020004" charset="0"/>
       <p:regular r:id="rId38"/>
       <p:bold r:id="rId39"/>
-      <p:boldItalic r:id="rId40"/>
-    </p:embeddedFont>
-    <p:embeddedFont>
-      <p:font typeface="Fira Sans Bold" panose="020B0803050000020004" charset="0"/>
-      <p:regular r:id="rId41"/>
-      <p:bold r:id="rId42"/>
     </p:embeddedFont>
     <p:embeddedFont>
       <p:font typeface="Fira Sans Bold Bold" panose="020B0604020202020204" charset="0"/>
-      <p:regular r:id="rId43"/>
+      <p:regular r:id="rId40"/>
     </p:embeddedFont>
     <p:embeddedFont>
       <p:font typeface="Fira Sans Medium" panose="020B0603050000020004" pitchFamily="34" charset="0"/>
-      <p:regular r:id="rId44"/>
-      <p:italic r:id="rId45"/>
+      <p:regular r:id="rId41"/>
+      <p:italic r:id="rId42"/>
     </p:embeddedFont>
     <p:embeddedFont>
       <p:font typeface="Fira Sans Medium Bold" panose="020B0604020202020204" charset="0"/>
-      <p:regular r:id="rId46"/>
+      <p:regular r:id="rId43"/>
     </p:embeddedFont>
   </p:embeddedFontLst>
   <p:defaultTextStyle>
@@ -277,7 +271,7 @@
           <a:p>
             <a:fld id="{13A99C3B-EC0C-4941-AB8E-0D367043A194}" type="datetimeFigureOut">
               <a:rPr lang="en-US" smtClean="0"/>
-              <a:t>1/11/2022</a:t>
+              <a:t>1/17/2022</a:t>
             </a:fld>
             <a:endParaRPr lang="en-US"/>
           </a:p>
@@ -762,7 +756,10 @@
           <a:bodyPr/>
           <a:lstStyle/>
           <a:p>
-            <a:endParaRPr lang="en-US" dirty="0"/>
+            <a:r>
+              <a:rPr lang="en-US" dirty="0"/>
+              <a:t>We’ll start from scratch with all this stuff, and most of the time we’ll be spending is in RStudio, but then we’ll move it all over to Power BI eventually. </a:t>
+            </a:r>
           </a:p>
         </p:txBody>
       </p:sp>
@@ -783,7 +780,7 @@
           <a:p>
             <a:fld id="{7163E4A0-DEC6-4E90-84ED-D541ECC38FD6}" type="slidenum">
               <a:rPr lang="en-US" smtClean="0"/>
-              <a:t>8</a:t>
+              <a:t>13</a:t>
             </a:fld>
             <a:endParaRPr lang="en-US"/>
           </a:p>
@@ -792,7 +789,94 @@
     </p:spTree>
     <p:extLst>
       <p:ext uri="{BB962C8B-B14F-4D97-AF65-F5344CB8AC3E}">
-        <p14:creationId xmlns:p14="http://schemas.microsoft.com/office/powerpoint/2010/main" val="1514662369"/>
+        <p14:creationId xmlns:p14="http://schemas.microsoft.com/office/powerpoint/2010/main" val="3041887604"/>
+      </p:ext>
+    </p:extLst>
+  </p:cSld>
+  <p:clrMapOvr>
+    <a:masterClrMapping/>
+  </p:clrMapOvr>
+</p:notes>
+</file>
+
+<file path=ppt/notesSlides/notesSlide4.xml><?xml version="1.0" encoding="utf-8"?>
+<p:notes xmlns:a="http://schemas.openxmlformats.org/drawingml/2006/main" xmlns:r="http://schemas.openxmlformats.org/officeDocument/2006/relationships" xmlns:p="http://schemas.openxmlformats.org/presentationml/2006/main">
+  <p:cSld>
+    <p:spTree>
+      <p:nvGrpSpPr>
+        <p:cNvPr id="1" name=""/>
+        <p:cNvGrpSpPr/>
+        <p:nvPr/>
+      </p:nvGrpSpPr>
+      <p:grpSpPr>
+        <a:xfrm>
+          <a:off x="0" y="0"/>
+          <a:ext cx="0" cy="0"/>
+          <a:chOff x="0" y="0"/>
+          <a:chExt cx="0" cy="0"/>
+        </a:xfrm>
+      </p:grpSpPr>
+      <p:sp>
+        <p:nvSpPr>
+          <p:cNvPr id="2" name="Slide Image Placeholder 1"/>
+          <p:cNvSpPr>
+            <a:spLocks noGrp="1" noRot="1" noChangeAspect="1"/>
+          </p:cNvSpPr>
+          <p:nvPr>
+            <p:ph type="sldImg"/>
+          </p:nvPr>
+        </p:nvSpPr>
+        <p:spPr/>
+      </p:sp>
+      <p:sp>
+        <p:nvSpPr>
+          <p:cNvPr id="3" name="Notes Placeholder 2"/>
+          <p:cNvSpPr>
+            <a:spLocks noGrp="1"/>
+          </p:cNvSpPr>
+          <p:nvPr>
+            <p:ph type="body" idx="1"/>
+          </p:nvPr>
+        </p:nvSpPr>
+        <p:spPr/>
+        <p:txBody>
+          <a:bodyPr/>
+          <a:lstStyle/>
+          <a:p>
+            <a:r>
+              <a:rPr lang="en-US" dirty="0"/>
+              <a:t>There are also some pretty interesting R/Python for Power BI books, I would say learn the fundamentals of R first before getting into them however. </a:t>
+            </a:r>
+          </a:p>
+        </p:txBody>
+      </p:sp>
+      <p:sp>
+        <p:nvSpPr>
+          <p:cNvPr id="4" name="Slide Number Placeholder 3"/>
+          <p:cNvSpPr>
+            <a:spLocks noGrp="1"/>
+          </p:cNvSpPr>
+          <p:nvPr>
+            <p:ph type="sldNum" sz="quarter" idx="5"/>
+          </p:nvPr>
+        </p:nvSpPr>
+        <p:spPr/>
+        <p:txBody>
+          <a:bodyPr/>
+          <a:lstStyle/>
+          <a:p>
+            <a:fld id="{7163E4A0-DEC6-4E90-84ED-D541ECC38FD6}" type="slidenum">
+              <a:rPr lang="en-US" smtClean="0"/>
+              <a:t>16</a:t>
+            </a:fld>
+            <a:endParaRPr lang="en-US"/>
+          </a:p>
+        </p:txBody>
+      </p:sp>
+    </p:spTree>
+    <p:extLst>
+      <p:ext uri="{BB962C8B-B14F-4D97-AF65-F5344CB8AC3E}">
+        <p14:creationId xmlns:p14="http://schemas.microsoft.com/office/powerpoint/2010/main" val="2824428666"/>
       </p:ext>
     </p:extLst>
   </p:cSld>
@@ -982,7 +1066,7 @@
             <a:fld id="{1D8BD707-D9CF-40AE-B4C6-C98DA3205C09}" type="datetimeFigureOut">
               <a:rPr lang="en-US" smtClean="0"/>
               <a:pPr/>
-              <a:t>1/11/2022</a:t>
+              <a:t>1/17/2022</a:t>
             </a:fld>
             <a:endParaRPr lang="en-US"/>
           </a:p>
@@ -1147,7 +1231,7 @@
             <a:fld id="{1D8BD707-D9CF-40AE-B4C6-C98DA3205C09}" type="datetimeFigureOut">
               <a:rPr lang="en-US" smtClean="0"/>
               <a:pPr/>
-              <a:t>1/11/2022</a:t>
+              <a:t>1/17/2022</a:t>
             </a:fld>
             <a:endParaRPr lang="en-US"/>
           </a:p>
@@ -1322,7 +1406,7 @@
             <a:fld id="{1D8BD707-D9CF-40AE-B4C6-C98DA3205C09}" type="datetimeFigureOut">
               <a:rPr lang="en-US" smtClean="0"/>
               <a:pPr/>
-              <a:t>1/11/2022</a:t>
+              <a:t>1/17/2022</a:t>
             </a:fld>
             <a:endParaRPr lang="en-US"/>
           </a:p>
@@ -1487,7 +1571,7 @@
             <a:fld id="{1D8BD707-D9CF-40AE-B4C6-C98DA3205C09}" type="datetimeFigureOut">
               <a:rPr lang="en-US" smtClean="0"/>
               <a:pPr/>
-              <a:t>1/11/2022</a:t>
+              <a:t>1/17/2022</a:t>
             </a:fld>
             <a:endParaRPr lang="en-US"/>
           </a:p>
@@ -1729,7 +1813,7 @@
             <a:fld id="{1D8BD707-D9CF-40AE-B4C6-C98DA3205C09}" type="datetimeFigureOut">
               <a:rPr lang="en-US" smtClean="0"/>
               <a:pPr/>
-              <a:t>1/11/2022</a:t>
+              <a:t>1/17/2022</a:t>
             </a:fld>
             <a:endParaRPr lang="en-US"/>
           </a:p>
@@ -2011,7 +2095,7 @@
             <a:fld id="{1D8BD707-D9CF-40AE-B4C6-C98DA3205C09}" type="datetimeFigureOut">
               <a:rPr lang="en-US" smtClean="0"/>
               <a:pPr/>
-              <a:t>1/11/2022</a:t>
+              <a:t>1/17/2022</a:t>
             </a:fld>
             <a:endParaRPr lang="en-US"/>
           </a:p>
@@ -2427,7 +2511,7 @@
             <a:fld id="{1D8BD707-D9CF-40AE-B4C6-C98DA3205C09}" type="datetimeFigureOut">
               <a:rPr lang="en-US" smtClean="0"/>
               <a:pPr/>
-              <a:t>1/11/2022</a:t>
+              <a:t>1/17/2022</a:t>
             </a:fld>
             <a:endParaRPr lang="en-US"/>
           </a:p>
@@ -2541,7 +2625,7 @@
             <a:fld id="{1D8BD707-D9CF-40AE-B4C6-C98DA3205C09}" type="datetimeFigureOut">
               <a:rPr lang="en-US" smtClean="0"/>
               <a:pPr/>
-              <a:t>1/11/2022</a:t>
+              <a:t>1/17/2022</a:t>
             </a:fld>
             <a:endParaRPr lang="en-US"/>
           </a:p>
@@ -2633,7 +2717,7 @@
             <a:fld id="{1D8BD707-D9CF-40AE-B4C6-C98DA3205C09}" type="datetimeFigureOut">
               <a:rPr lang="en-US" smtClean="0"/>
               <a:pPr/>
-              <a:t>1/11/2022</a:t>
+              <a:t>1/17/2022</a:t>
             </a:fld>
             <a:endParaRPr lang="en-US"/>
           </a:p>
@@ -2905,7 +2989,7 @@
             <a:fld id="{1D8BD707-D9CF-40AE-B4C6-C98DA3205C09}" type="datetimeFigureOut">
               <a:rPr lang="en-US" smtClean="0"/>
               <a:pPr/>
-              <a:t>1/11/2022</a:t>
+              <a:t>1/17/2022</a:t>
             </a:fld>
             <a:endParaRPr lang="en-US"/>
           </a:p>
@@ -3154,7 +3238,7 @@
             <a:fld id="{1D8BD707-D9CF-40AE-B4C6-C98DA3205C09}" type="datetimeFigureOut">
               <a:rPr lang="en-US" smtClean="0"/>
               <a:pPr/>
-              <a:t>1/11/2022</a:t>
+              <a:t>1/17/2022</a:t>
             </a:fld>
             <a:endParaRPr lang="en-US"/>
           </a:p>
@@ -3362,7 +3446,7 @@
             <a:fld id="{1D8BD707-D9CF-40AE-B4C6-C98DA3205C09}" type="datetimeFigureOut">
               <a:rPr lang="en-US" smtClean="0"/>
               <a:pPr/>
-              <a:t>1/11/2022</a:t>
+              <a:t>1/17/2022</a:t>
             </a:fld>
             <a:endParaRPr lang="en-US"/>
           </a:p>
@@ -4091,316 +4175,6 @@
         <p:spPr>
           <a:xfrm>
             <a:off x="1676926" y="486390"/>
-            <a:ext cx="14782274" cy="837537"/>
-          </a:xfrm>
-          <a:prstGeom prst="rect">
-            <a:avLst/>
-          </a:prstGeom>
-        </p:spPr>
-        <p:txBody>
-          <a:bodyPr wrap="square" lIns="0" tIns="0" rIns="0" bIns="0" rtlCol="0" anchor="t">
-            <a:spAutoFit/>
-          </a:bodyPr>
-          <a:lstStyle/>
-          <a:p>
-            <a:pPr algn="r">
-              <a:lnSpc>
-                <a:spcPts val="7247"/>
-              </a:lnSpc>
-            </a:pPr>
-            <a:r>
-              <a:rPr lang="en-US" sz="4400" spc="731" dirty="0">
-                <a:solidFill>
-                  <a:srgbClr val="FFFFFF"/>
-                </a:solidFill>
-                <a:latin typeface="Fira Sans Bold"/>
-              </a:rPr>
-              <a:t>IT’S AVAILABLE IN POWER BI FOR A REASON</a:t>
-            </a:r>
-          </a:p>
-        </p:txBody>
-      </p:sp>
-      <p:sp>
-        <p:nvSpPr>
-          <p:cNvPr id="9" name="TextBox 8">
-            <a:extLst>
-              <a:ext uri="{FF2B5EF4-FFF2-40B4-BE49-F238E27FC236}">
-                <a16:creationId xmlns:a16="http://schemas.microsoft.com/office/drawing/2014/main" id="{FA887A00-FADE-43D2-9F35-74E1CAF667FE}"/>
-              </a:ext>
-            </a:extLst>
-          </p:cNvPr>
-          <p:cNvSpPr txBox="1"/>
-          <p:nvPr/>
-        </p:nvSpPr>
-        <p:spPr>
-          <a:xfrm>
-            <a:off x="838200" y="2324100"/>
-            <a:ext cx="10058400" cy="3785652"/>
-          </a:xfrm>
-          <a:prstGeom prst="rect">
-            <a:avLst/>
-          </a:prstGeom>
-          <a:noFill/>
-        </p:spPr>
-        <p:txBody>
-          <a:bodyPr wrap="square" rtlCol="0">
-            <a:spAutoFit/>
-          </a:bodyPr>
-          <a:lstStyle/>
-          <a:p>
-            <a:pPr marL="571500" indent="-571500">
-              <a:buFont typeface="Arial" panose="020B0604020202020204" pitchFamily="34" charset="0"/>
-              <a:buChar char="•"/>
-            </a:pPr>
-            <a:r>
-              <a:rPr lang="en-US" sz="4000" dirty="0">
-                <a:latin typeface="Fira Sans Medium" panose="020B0603050000020004" pitchFamily="34" charset="0"/>
-              </a:rPr>
-              <a:t>Statistical analysis</a:t>
-            </a:r>
-          </a:p>
-          <a:p>
-            <a:pPr marL="571500" indent="-571500">
-              <a:buFont typeface="Arial" panose="020B0604020202020204" pitchFamily="34" charset="0"/>
-              <a:buChar char="•"/>
-            </a:pPr>
-            <a:r>
-              <a:rPr lang="en-US" sz="4000" dirty="0">
-                <a:latin typeface="Fira Sans Medium" panose="020B0603050000020004" pitchFamily="34" charset="0"/>
-              </a:rPr>
-              <a:t>Data visualizations</a:t>
-            </a:r>
-          </a:p>
-          <a:p>
-            <a:pPr marL="571500" indent="-571500">
-              <a:buFont typeface="Arial" panose="020B0604020202020204" pitchFamily="34" charset="0"/>
-              <a:buChar char="•"/>
-            </a:pPr>
-            <a:endParaRPr lang="en-US" sz="4000" dirty="0">
-              <a:latin typeface="Fira Sans Medium" panose="020B0603050000020004" pitchFamily="34" charset="0"/>
-            </a:endParaRPr>
-          </a:p>
-          <a:p>
-            <a:pPr marL="571500" indent="-571500">
-              <a:buFont typeface="Arial" panose="020B0604020202020204" pitchFamily="34" charset="0"/>
-              <a:buChar char="•"/>
-            </a:pPr>
-            <a:r>
-              <a:rPr lang="en-US" sz="4000" i="1" dirty="0">
-                <a:solidFill>
-                  <a:schemeClr val="bg1">
-                    <a:lumMod val="50000"/>
-                  </a:schemeClr>
-                </a:solidFill>
-                <a:latin typeface="Fira Sans Medium" panose="020B0603050000020004" pitchFamily="34" charset="0"/>
-              </a:rPr>
-              <a:t>Large/unusual datasets</a:t>
-            </a:r>
-          </a:p>
-          <a:p>
-            <a:pPr marL="571500" indent="-571500">
-              <a:buFont typeface="Arial" panose="020B0604020202020204" pitchFamily="34" charset="0"/>
-              <a:buChar char="•"/>
-            </a:pPr>
-            <a:r>
-              <a:rPr lang="en-US" sz="4000" i="1" dirty="0">
-                <a:solidFill>
-                  <a:schemeClr val="bg1">
-                    <a:lumMod val="50000"/>
-                  </a:schemeClr>
-                </a:solidFill>
-                <a:latin typeface="Fira Sans Medium" panose="020B0603050000020004" pitchFamily="34" charset="0"/>
-              </a:rPr>
-              <a:t>Text</a:t>
-            </a:r>
-          </a:p>
-          <a:p>
-            <a:pPr marL="571500" indent="-571500">
-              <a:buFont typeface="Arial" panose="020B0604020202020204" pitchFamily="34" charset="0"/>
-              <a:buChar char="•"/>
-            </a:pPr>
-            <a:r>
-              <a:rPr lang="en-US" sz="4000" i="1" dirty="0">
-                <a:solidFill>
-                  <a:schemeClr val="bg1">
-                    <a:lumMod val="50000"/>
-                  </a:schemeClr>
-                </a:solidFill>
-                <a:latin typeface="Fira Sans Medium" panose="020B0603050000020004" pitchFamily="34" charset="0"/>
-              </a:rPr>
-              <a:t>Machine learning</a:t>
-            </a:r>
-          </a:p>
-        </p:txBody>
-      </p:sp>
-    </p:spTree>
-  </p:cSld>
-  <p:clrMapOvr>
-    <a:masterClrMapping/>
-  </p:clrMapOvr>
-</p:sld>
-</file>
-
-<file path=ppt/slides/slide11.xml><?xml version="1.0" encoding="utf-8"?>
-<p:sld xmlns:a="http://schemas.openxmlformats.org/drawingml/2006/main" xmlns:r="http://schemas.openxmlformats.org/officeDocument/2006/relationships" xmlns:p="http://schemas.openxmlformats.org/presentationml/2006/main">
-  <p:cSld>
-    <p:spTree>
-      <p:nvGrpSpPr>
-        <p:cNvPr id="1" name=""/>
-        <p:cNvGrpSpPr/>
-        <p:nvPr/>
-      </p:nvGrpSpPr>
-      <p:grpSpPr>
-        <a:xfrm>
-          <a:off x="0" y="0"/>
-          <a:ext cx="0" cy="0"/>
-          <a:chOff x="0" y="0"/>
-          <a:chExt cx="0" cy="0"/>
-        </a:xfrm>
-      </p:grpSpPr>
-      <p:sp>
-        <p:nvSpPr>
-          <p:cNvPr id="2" name="AutoShape 2"/>
-          <p:cNvSpPr/>
-          <p:nvPr/>
-        </p:nvSpPr>
-        <p:spPr>
-          <a:xfrm>
-            <a:off x="0" y="0"/>
-            <a:ext cx="18288000" cy="1910300"/>
-          </a:xfrm>
-          <a:prstGeom prst="rect">
-            <a:avLst/>
-          </a:prstGeom>
-          <a:solidFill>
-            <a:srgbClr val="0C70D4"/>
-          </a:solidFill>
-        </p:spPr>
-      </p:sp>
-      <p:grpSp>
-        <p:nvGrpSpPr>
-          <p:cNvPr id="3" name="Group 3"/>
-          <p:cNvGrpSpPr/>
-          <p:nvPr/>
-        </p:nvGrpSpPr>
-        <p:grpSpPr>
-          <a:xfrm rot="2294618">
-            <a:off x="15469920" y="3513593"/>
-            <a:ext cx="3578760" cy="8513090"/>
-            <a:chOff x="0" y="0"/>
-            <a:chExt cx="4771680" cy="11350786"/>
-          </a:xfrm>
-        </p:grpSpPr>
-        <p:pic>
-          <p:nvPicPr>
-            <p:cNvPr id="4" name="Picture 4"/>
-            <p:cNvPicPr>
-              <a:picLocks noChangeAspect="1"/>
-            </p:cNvPicPr>
-            <p:nvPr/>
-          </p:nvPicPr>
-          <p:blipFill>
-            <a:blip r:embed="rId2"/>
-            <a:srcRect/>
-            <a:stretch>
-              <a:fillRect/>
-            </a:stretch>
-          </p:blipFill>
-          <p:spPr>
-            <a:xfrm>
-              <a:off x="0" y="6579106"/>
-              <a:ext cx="4771680" cy="4771680"/>
-            </a:xfrm>
-            <a:prstGeom prst="rect">
-              <a:avLst/>
-            </a:prstGeom>
-          </p:spPr>
-        </p:pic>
-        <p:pic>
-          <p:nvPicPr>
-            <p:cNvPr id="5" name="Picture 5"/>
-            <p:cNvPicPr>
-              <a:picLocks noChangeAspect="1"/>
-            </p:cNvPicPr>
-            <p:nvPr/>
-          </p:nvPicPr>
-          <p:blipFill>
-            <a:blip r:embed="rId2"/>
-            <a:srcRect/>
-            <a:stretch>
-              <a:fillRect/>
-            </a:stretch>
-          </p:blipFill>
-          <p:spPr>
-            <a:xfrm>
-              <a:off x="0" y="3291575"/>
-              <a:ext cx="4771680" cy="4771680"/>
-            </a:xfrm>
-            <a:prstGeom prst="rect">
-              <a:avLst/>
-            </a:prstGeom>
-          </p:spPr>
-        </p:pic>
-        <p:pic>
-          <p:nvPicPr>
-            <p:cNvPr id="6" name="Picture 6"/>
-            <p:cNvPicPr>
-              <a:picLocks noChangeAspect="1"/>
-            </p:cNvPicPr>
-            <p:nvPr/>
-          </p:nvPicPr>
-          <p:blipFill>
-            <a:blip r:embed="rId3"/>
-            <a:srcRect/>
-            <a:stretch>
-              <a:fillRect/>
-            </a:stretch>
-          </p:blipFill>
-          <p:spPr>
-            <a:xfrm>
-              <a:off x="0" y="0"/>
-              <a:ext cx="4771680" cy="4771680"/>
-            </a:xfrm>
-            <a:prstGeom prst="rect">
-              <a:avLst/>
-            </a:prstGeom>
-          </p:spPr>
-        </p:pic>
-      </p:grpSp>
-      <p:pic>
-        <p:nvPicPr>
-          <p:cNvPr id="7" name="Picture 7"/>
-          <p:cNvPicPr>
-            <a:picLocks noChangeAspect="1"/>
-          </p:cNvPicPr>
-          <p:nvPr/>
-        </p:nvPicPr>
-        <p:blipFill>
-          <a:blip r:embed="rId4"/>
-          <a:srcRect/>
-          <a:stretch>
-            <a:fillRect/>
-          </a:stretch>
-        </p:blipFill>
-        <p:spPr>
-          <a:xfrm>
-            <a:off x="306323" y="135120"/>
-            <a:ext cx="1580870" cy="1580870"/>
-          </a:xfrm>
-          <a:prstGeom prst="rect">
-            <a:avLst/>
-          </a:prstGeom>
-        </p:spPr>
-      </p:pic>
-      <p:sp>
-        <p:nvSpPr>
-          <p:cNvPr id="8" name="TextBox 8"/>
-          <p:cNvSpPr txBox="1"/>
-          <p:nvPr/>
-        </p:nvSpPr>
-        <p:spPr>
-          <a:xfrm>
-            <a:off x="1676926" y="486390"/>
             <a:ext cx="16153874" cy="923330"/>
           </a:xfrm>
           <a:prstGeom prst="rect">
@@ -4445,7 +4219,7 @@
         <p:spPr>
           <a:xfrm>
             <a:off x="762000" y="2400300"/>
-            <a:ext cx="11430000" cy="4154984"/>
+            <a:ext cx="11430000" cy="3477875"/>
           </a:xfrm>
           <a:prstGeom prst="rect">
             <a:avLst/>
@@ -4503,7 +4277,7 @@
               <a:rPr lang="en-US" sz="4400" i="1" dirty="0">
                 <a:latin typeface="Fira Sans Medium" panose="020B0603050000020004" pitchFamily="34" charset="0"/>
               </a:rPr>
-              <a:t>Follow along: configuring-r-and-power-bi.pdf</a:t>
+              <a:t>Try it later: configuring-r-and-power-bi.pdf</a:t>
             </a:r>
           </a:p>
         </p:txBody>
@@ -4521,7 +4295,7 @@
 </p:sld>
 </file>
 
-<file path=ppt/slides/slide12.xml><?xml version="1.0" encoding="utf-8"?>
+<file path=ppt/slides/slide11.xml><?xml version="1.0" encoding="utf-8"?>
 <p:sld xmlns:a="http://schemas.openxmlformats.org/drawingml/2006/main" xmlns:r="http://schemas.openxmlformats.org/officeDocument/2006/relationships" xmlns:p="http://schemas.openxmlformats.org/presentationml/2006/main">
   <p:cSld>
     <p:spTree>
@@ -4879,7 +4653,7 @@
               <a:rPr lang="en-US" sz="4000" i="1" dirty="0">
                 <a:latin typeface="Fira Sans Medium" panose="020B0603050000020004" pitchFamily="34" charset="0"/>
               </a:rPr>
-              <a:t>Follow along with how-r-talks-with-power-bi.docx</a:t>
+              <a:t>Try it later: how-r-talks-with-power-bi.docx</a:t>
             </a:r>
           </a:p>
         </p:txBody>
@@ -4897,7 +4671,7 @@
 </p:sld>
 </file>
 
-<file path=ppt/slides/slide13.xml><?xml version="1.0" encoding="utf-8"?>
+<file path=ppt/slides/slide12.xml><?xml version="1.0" encoding="utf-8"?>
 <p:sld xmlns:a="http://schemas.openxmlformats.org/drawingml/2006/main" xmlns:r="http://schemas.openxmlformats.org/officeDocument/2006/relationships" xmlns:p="http://schemas.openxmlformats.org/presentationml/2006/main">
   <p:cSld>
     <p:bg>
@@ -5096,6 +4870,11 @@
         </p:txBody>
       </p:sp>
     </p:spTree>
+    <p:extLst>
+      <p:ext uri="{BB962C8B-B14F-4D97-AF65-F5344CB8AC3E}">
+        <p14:creationId xmlns:p14="http://schemas.microsoft.com/office/powerpoint/2010/main" val="2494195829"/>
+      </p:ext>
+    </p:extLst>
   </p:cSld>
   <p:clrMapOvr>
     <a:masterClrMapping/>
@@ -5103,7 +4882,7 @@
 </p:sld>
 </file>
 
-<file path=ppt/slides/slide14.xml><?xml version="1.0" encoding="utf-8"?>
+<file path=ppt/slides/slide13.xml><?xml version="1.0" encoding="utf-8"?>
 <p:sld xmlns:a="http://schemas.openxmlformats.org/drawingml/2006/main" xmlns:r="http://schemas.openxmlformats.org/officeDocument/2006/relationships" xmlns:p="http://schemas.openxmlformats.org/presentationml/2006/main">
   <p:cSld>
     <p:spTree>
@@ -5143,7 +4922,7 @@
             <p:nvPr/>
           </p:nvPicPr>
           <p:blipFill>
-            <a:blip r:embed="rId2"/>
+            <a:blip r:embed="rId3"/>
             <a:srcRect/>
             <a:stretch>
               <a:fillRect/>
@@ -5168,7 +4947,7 @@
             <p:nvPr/>
           </p:nvPicPr>
           <p:blipFill>
-            <a:blip r:embed="rId3"/>
+            <a:blip r:embed="rId4"/>
             <a:srcRect/>
             <a:stretch>
               <a:fillRect/>
@@ -5193,7 +4972,7 @@
             <p:nvPr/>
           </p:nvPicPr>
           <p:blipFill>
-            <a:blip r:embed="rId4"/>
+            <a:blip r:embed="rId5"/>
             <a:srcRect/>
             <a:stretch>
               <a:fillRect/>
@@ -5276,7 +5055,7 @@
           <p:nvPr/>
         </p:nvPicPr>
         <p:blipFill>
-          <a:blip r:embed="rId5"/>
+          <a:blip r:embed="rId6"/>
           <a:srcRect/>
           <a:stretch>
             <a:fillRect/>
@@ -5315,7 +5094,7 @@
             <p:nvPr/>
           </p:nvPicPr>
           <p:blipFill>
-            <a:blip r:embed="rId2"/>
+            <a:blip r:embed="rId3"/>
             <a:srcRect/>
             <a:stretch>
               <a:fillRect/>
@@ -5340,7 +5119,7 @@
             <p:nvPr/>
           </p:nvPicPr>
           <p:blipFill>
-            <a:blip r:embed="rId3"/>
+            <a:blip r:embed="rId4"/>
             <a:srcRect/>
             <a:stretch>
               <a:fillRect/>
@@ -5365,7 +5144,7 @@
             <p:nvPr/>
           </p:nvPicPr>
           <p:blipFill>
-            <a:blip r:embed="rId4"/>
+            <a:blip r:embed="rId5"/>
             <a:srcRect/>
             <a:stretch>
               <a:fillRect/>
@@ -5397,7 +5176,7 @@
         <p:spPr>
           <a:xfrm>
             <a:off x="659228" y="611726"/>
-            <a:ext cx="11430000" cy="9571851"/>
+            <a:ext cx="11430000" cy="9941183"/>
           </a:xfrm>
           <a:prstGeom prst="rect">
             <a:avLst/>
@@ -5411,14 +5190,14 @@
           <a:lstStyle/>
           <a:p>
             <a:r>
-              <a:rPr lang="en-US" sz="4400" dirty="0">
+              <a:rPr lang="en-US" sz="4000" dirty="0">
                 <a:latin typeface="Fira Sans" panose="020B0503050000020004" pitchFamily="34" charset="0"/>
               </a:rPr>
-              <a:t>Let’s build an R-enhanced Power BI report</a:t>
-            </a:r>
-          </a:p>
-          <a:p>
-            <a:endParaRPr lang="en-US" sz="4400" dirty="0">
+              <a:t>Let’s build the start of an R-enhanced Power BI report</a:t>
+            </a:r>
+          </a:p>
+          <a:p>
+            <a:endParaRPr lang="en-US" sz="4000" dirty="0">
               <a:latin typeface="Fira Sans" panose="020B0503050000020004" pitchFamily="34" charset="0"/>
             </a:endParaRPr>
           </a:p>
@@ -5428,7 +5207,7 @@
               <a:buChar char="•"/>
             </a:pPr>
             <a:r>
-              <a:rPr lang="en-US" sz="4400" dirty="0">
+              <a:rPr lang="en-US" sz="4000" dirty="0">
                 <a:latin typeface="Fira Sans" panose="020B0503050000020004" pitchFamily="34" charset="0"/>
               </a:rPr>
               <a:t>Influence of lot size on housing price</a:t>
@@ -5440,7 +5219,7 @@
               <a:buChar char="•"/>
             </a:pPr>
             <a:r>
-              <a:rPr lang="en-US" sz="4400" dirty="0">
+              <a:rPr lang="en-US" sz="4000" dirty="0">
                 <a:latin typeface="Fira Sans" panose="020B0503050000020004" pitchFamily="34" charset="0"/>
               </a:rPr>
               <a:t>Build model in RStudio</a:t>
@@ -5452,19 +5231,19 @@
               <a:buChar char="•"/>
             </a:pPr>
             <a:r>
-              <a:rPr lang="en-US" sz="4400" dirty="0">
+              <a:rPr lang="en-US" sz="4000" dirty="0">
                 <a:latin typeface="Fira Sans" panose="020B0503050000020004" pitchFamily="34" charset="0"/>
               </a:rPr>
               <a:t>Load .</a:t>
             </a:r>
             <a:r>
-              <a:rPr lang="en-US" sz="4400" dirty="0" err="1">
+              <a:rPr lang="en-US" sz="4000" dirty="0" err="1">
                 <a:latin typeface="Fira Sans" panose="020B0503050000020004" pitchFamily="34" charset="0"/>
               </a:rPr>
               <a:t>rds</a:t>
             </a:r>
             <a:r>
-              <a:rPr lang="en-US" sz="4400" dirty="0">
+              <a:rPr lang="en-US" sz="4000" dirty="0">
                 <a:latin typeface="Fira Sans" panose="020B0503050000020004" pitchFamily="34" charset="0"/>
               </a:rPr>
               <a:t> dataset to Power BI</a:t>
@@ -5476,7 +5255,7 @@
               <a:buChar char="•"/>
             </a:pPr>
             <a:r>
-              <a:rPr lang="en-US" sz="4400" dirty="0">
+              <a:rPr lang="en-US" sz="4000" dirty="0">
                 <a:latin typeface="Fira Sans" panose="020B0503050000020004" pitchFamily="34" charset="0"/>
               </a:rPr>
               <a:t>Visualize and combine with Power BI elements</a:t>
@@ -5487,14 +5266,14 @@
               <a:buFont typeface="Arial" panose="020B0604020202020204" pitchFamily="34" charset="0"/>
               <a:buChar char="•"/>
             </a:pPr>
-            <a:endParaRPr lang="en-US" sz="4400" dirty="0">
+            <a:endParaRPr lang="en-US" sz="4000" dirty="0">
               <a:latin typeface="Fira Sans" panose="020B0503050000020004" pitchFamily="34" charset="0"/>
             </a:endParaRPr>
           </a:p>
           <a:p>
             <a:pPr lvl="1"/>
             <a:r>
-              <a:rPr lang="en-US" sz="4400" dirty="0">
+              <a:rPr lang="en-US" sz="4000" dirty="0">
                 <a:latin typeface="Fira Sans Medium" panose="020B0603050000020004" pitchFamily="34" charset="0"/>
               </a:rPr>
               <a:t>		Files: </a:t>
@@ -5506,7 +5285,7 @@
               <a:buChar char="•"/>
             </a:pPr>
             <a:r>
-              <a:rPr lang="en-US" sz="4400" dirty="0">
+              <a:rPr lang="en-US" sz="4000" dirty="0">
                 <a:latin typeface="Consolas" panose="020B0609020204030204" pitchFamily="49" charset="0"/>
               </a:rPr>
               <a:t>housing.xlsx</a:t>
@@ -5518,18 +5297,18 @@
               <a:buChar char="•"/>
             </a:pPr>
             <a:r>
-              <a:rPr lang="en-US" sz="4400" dirty="0">
+              <a:rPr lang="en-US" sz="4000" dirty="0">
                 <a:latin typeface="Consolas" panose="020B0609020204030204" pitchFamily="49" charset="0"/>
               </a:rPr>
               <a:t>housing-</a:t>
             </a:r>
             <a:r>
-              <a:rPr lang="en-US" sz="4400" dirty="0" err="1">
+              <a:rPr lang="en-US" sz="4000" dirty="0" err="1">
                 <a:latin typeface="Consolas" panose="020B0609020204030204" pitchFamily="49" charset="0"/>
               </a:rPr>
               <a:t>script.r</a:t>
             </a:r>
-            <a:endParaRPr lang="en-US" sz="4400" dirty="0">
+            <a:endParaRPr lang="en-US" sz="4000" dirty="0">
               <a:latin typeface="Consolas" panose="020B0609020204030204" pitchFamily="49" charset="0"/>
             </a:endParaRPr>
           </a:p>
@@ -5539,33 +5318,45 @@
               <a:buChar char="•"/>
             </a:pPr>
             <a:r>
-              <a:rPr lang="en-US" sz="4400" dirty="0">
+              <a:rPr lang="en-US" sz="4000" dirty="0">
                 <a:latin typeface="Consolas" panose="020B0609020204030204" pitchFamily="49" charset="0"/>
               </a:rPr>
               <a:t>housing-</a:t>
             </a:r>
             <a:r>
-              <a:rPr lang="en-US" sz="4400" dirty="0" err="1">
+              <a:rPr lang="en-US" sz="4000" dirty="0" err="1">
                 <a:latin typeface="Consolas" panose="020B0609020204030204" pitchFamily="49" charset="0"/>
               </a:rPr>
               <a:t>report.pbix</a:t>
             </a:r>
-            <a:endParaRPr lang="en-US" sz="4400" dirty="0">
+            <a:endParaRPr lang="en-US" sz="4000" dirty="0">
               <a:latin typeface="Consolas" panose="020B0609020204030204" pitchFamily="49" charset="0"/>
             </a:endParaRPr>
+          </a:p>
+          <a:p>
+            <a:pPr marL="2857500" lvl="5" indent="-571500">
+              <a:buFont typeface="Arial" panose="020B0604020202020204" pitchFamily="34" charset="0"/>
+              <a:buChar char="•"/>
+            </a:pPr>
+            <a:r>
+              <a:rPr lang="en-US" sz="4000" dirty="0">
+                <a:latin typeface="Consolas" panose="020B0609020204030204" pitchFamily="49" charset="0"/>
+              </a:rPr>
+              <a:t>r-pbi-exploration-notes.docx</a:t>
+            </a:r>
           </a:p>
           <a:p>
             <a:pPr marL="1943100" lvl="3" indent="-571500">
               <a:buFont typeface="Arial" panose="020B0604020202020204" pitchFamily="34" charset="0"/>
               <a:buChar char="•"/>
             </a:pPr>
-            <a:endParaRPr lang="en-US" sz="4400" dirty="0">
+            <a:endParaRPr lang="en-US" sz="4000" dirty="0">
               <a:latin typeface="Consolas" panose="020B0609020204030204" pitchFamily="49" charset="0"/>
             </a:endParaRPr>
           </a:p>
           <a:p>
             <a:pPr lvl="1"/>
-            <a:endParaRPr lang="en-US" sz="4400" dirty="0">
+            <a:endParaRPr lang="en-US" sz="4000" dirty="0">
               <a:latin typeface="Fira Sans" panose="020B0503050000020004" pitchFamily="34" charset="0"/>
             </a:endParaRPr>
           </a:p>
@@ -5579,9 +5370,17 @@
 </p:sld>
 </file>
 
-<file path=ppt/slides/slide15.xml><?xml version="1.0" encoding="utf-8"?>
+<file path=ppt/slides/slide14.xml><?xml version="1.0" encoding="utf-8"?>
 <p:sld xmlns:a="http://schemas.openxmlformats.org/drawingml/2006/main" xmlns:r="http://schemas.openxmlformats.org/officeDocument/2006/relationships" xmlns:p="http://schemas.openxmlformats.org/presentationml/2006/main">
   <p:cSld>
+    <p:bg>
+      <p:bgPr>
+        <a:solidFill>
+          <a:srgbClr val="273755"/>
+        </a:solidFill>
+        <a:effectLst/>
+      </p:bgPr>
+    </p:bg>
     <p:spTree>
       <p:nvGrpSpPr>
         <p:cNvPr id="1" name=""/>
@@ -5596,16 +5395,35 @@
           <a:chExt cx="0" cy="0"/>
         </a:xfrm>
       </p:grpSpPr>
+      <p:sp>
+        <p:nvSpPr>
+          <p:cNvPr id="2" name="AutoShape 2"/>
+          <p:cNvSpPr/>
+          <p:nvPr/>
+        </p:nvSpPr>
+        <p:spPr>
+          <a:xfrm>
+            <a:off x="0" y="8873582"/>
+            <a:ext cx="18288000" cy="1419061"/>
+          </a:xfrm>
+          <a:prstGeom prst="rect">
+            <a:avLst/>
+          </a:prstGeom>
+          <a:solidFill>
+            <a:srgbClr val="348DDB"/>
+          </a:solidFill>
+        </p:spPr>
+      </p:sp>
       <p:grpSp>
         <p:nvGrpSpPr>
-          <p:cNvPr id="4" name="Group 4"/>
+          <p:cNvPr id="3" name="Group 3"/>
           <p:cNvGrpSpPr/>
           <p:nvPr/>
         </p:nvGrpSpPr>
         <p:grpSpPr>
           <a:xfrm rot="2426251">
-            <a:off x="14882915" y="6102218"/>
-            <a:ext cx="3264614" cy="7855002"/>
+            <a:off x="14755386" y="3699422"/>
+            <a:ext cx="3578760" cy="8513090"/>
             <a:chOff x="0" y="0"/>
             <a:chExt cx="4771680" cy="11350786"/>
           </a:xfrm>
@@ -5613,31 +5431,6 @@
         <p:pic>
           <p:nvPicPr>
             <p:cNvPr id="5" name="Picture 5"/>
-            <p:cNvPicPr>
-              <a:picLocks noChangeAspect="1"/>
-            </p:cNvPicPr>
-            <p:nvPr/>
-          </p:nvPicPr>
-          <p:blipFill>
-            <a:blip r:embed="rId2"/>
-            <a:srcRect/>
-            <a:stretch>
-              <a:fillRect/>
-            </a:stretch>
-          </p:blipFill>
-          <p:spPr>
-            <a:xfrm>
-              <a:off x="0" y="6579106"/>
-              <a:ext cx="4771680" cy="4771680"/>
-            </a:xfrm>
-            <a:prstGeom prst="rect">
-              <a:avLst/>
-            </a:prstGeom>
-          </p:spPr>
-        </p:pic>
-        <p:pic>
-          <p:nvPicPr>
-            <p:cNvPr id="6" name="Picture 6"/>
             <p:cNvPicPr>
               <a:picLocks noChangeAspect="1"/>
             </p:cNvPicPr>
@@ -5662,7 +5455,32 @@
         </p:pic>
         <p:pic>
           <p:nvPicPr>
-            <p:cNvPr id="7" name="Picture 7"/>
+            <p:cNvPr id="4" name="Picture 4"/>
+            <p:cNvPicPr>
+              <a:picLocks noChangeAspect="1"/>
+            </p:cNvPicPr>
+            <p:nvPr/>
+          </p:nvPicPr>
+          <p:blipFill>
+            <a:blip r:embed="rId3"/>
+            <a:srcRect/>
+            <a:stretch>
+              <a:fillRect/>
+            </a:stretch>
+          </p:blipFill>
+          <p:spPr>
+            <a:xfrm>
+              <a:off x="0" y="6579106"/>
+              <a:ext cx="4771680" cy="4771680"/>
+            </a:xfrm>
+            <a:prstGeom prst="rect">
+              <a:avLst/>
+            </a:prstGeom>
+          </p:spPr>
+        </p:pic>
+        <p:pic>
+          <p:nvPicPr>
+            <p:cNvPr id="6" name="Picture 6"/>
             <p:cNvPicPr>
               <a:picLocks noChangeAspect="1"/>
             </p:cNvPicPr>
@@ -5688,7 +5506,7 @@
       </p:grpSp>
       <p:pic>
         <p:nvPicPr>
-          <p:cNvPr id="8" name="Picture 8"/>
+          <p:cNvPr id="7" name="Picture 7"/>
           <p:cNvPicPr>
             <a:picLocks noChangeAspect="1"/>
           </p:cNvPicPr>
@@ -5703,14 +5521,53 @@
         </p:blipFill>
         <p:spPr>
           <a:xfrm>
-            <a:off x="152400" y="266700"/>
-            <a:ext cx="3809997" cy="685800"/>
+            <a:off x="329183" y="9172146"/>
+            <a:ext cx="4503752" cy="821935"/>
           </a:xfrm>
           <a:prstGeom prst="rect">
             <a:avLst/>
           </a:prstGeom>
         </p:spPr>
       </p:pic>
+      <p:sp>
+        <p:nvSpPr>
+          <p:cNvPr id="8" name="TextBox 7">
+            <a:extLst>
+              <a:ext uri="{FF2B5EF4-FFF2-40B4-BE49-F238E27FC236}">
+                <a16:creationId xmlns:a16="http://schemas.microsoft.com/office/drawing/2014/main" id="{9BCC3BFB-601E-4D06-99E8-A5586279AAFD}"/>
+              </a:ext>
+            </a:extLst>
+          </p:cNvPr>
+          <p:cNvSpPr txBox="1"/>
+          <p:nvPr/>
+        </p:nvSpPr>
+        <p:spPr>
+          <a:xfrm>
+            <a:off x="381000" y="342900"/>
+            <a:ext cx="8839200" cy="1323439"/>
+          </a:xfrm>
+          <a:prstGeom prst="rect">
+            <a:avLst/>
+          </a:prstGeom>
+          <a:noFill/>
+        </p:spPr>
+        <p:txBody>
+          <a:bodyPr wrap="square" rtlCol="0">
+            <a:spAutoFit/>
+          </a:bodyPr>
+          <a:lstStyle/>
+          <a:p>
+            <a:r>
+              <a:rPr lang="en-US" sz="8000" b="1" dirty="0">
+                <a:solidFill>
+                  <a:schemeClr val="bg1"/>
+                </a:solidFill>
+              </a:rPr>
+              <a:t>QUESTIONS?</a:t>
+            </a:r>
+          </a:p>
+        </p:txBody>
+      </p:sp>
     </p:spTree>
   </p:cSld>
   <p:clrMapOvr>
@@ -5719,7 +5576,475 @@
 </p:sld>
 </file>
 
+<file path=ppt/slides/slide15.xml><?xml version="1.0" encoding="utf-8"?>
+<p:sld xmlns:a="http://schemas.openxmlformats.org/drawingml/2006/main" xmlns:r="http://schemas.openxmlformats.org/officeDocument/2006/relationships" xmlns:p="http://schemas.openxmlformats.org/presentationml/2006/main">
+  <p:cSld>
+    <p:bg>
+      <p:bgPr>
+        <a:solidFill>
+          <a:srgbClr val="348DDB"/>
+        </a:solidFill>
+        <a:effectLst/>
+      </p:bgPr>
+    </p:bg>
+    <p:spTree>
+      <p:nvGrpSpPr>
+        <p:cNvPr id="1" name=""/>
+        <p:cNvGrpSpPr/>
+        <p:nvPr/>
+      </p:nvGrpSpPr>
+      <p:grpSpPr>
+        <a:xfrm>
+          <a:off x="0" y="0"/>
+          <a:ext cx="0" cy="0"/>
+          <a:chOff x="0" y="0"/>
+          <a:chExt cx="0" cy="0"/>
+        </a:xfrm>
+      </p:grpSpPr>
+      <p:pic>
+        <p:nvPicPr>
+          <p:cNvPr id="2" name="Picture 2"/>
+          <p:cNvPicPr>
+            <a:picLocks noChangeAspect="1"/>
+          </p:cNvPicPr>
+          <p:nvPr/>
+        </p:nvPicPr>
+        <p:blipFill>
+          <a:blip r:embed="rId2">
+            <a:alphaModFix amt="9999"/>
+          </a:blip>
+          <a:srcRect/>
+          <a:stretch>
+            <a:fillRect/>
+          </a:stretch>
+        </p:blipFill>
+        <p:spPr>
+          <a:xfrm>
+            <a:off x="5983605" y="1280160"/>
+            <a:ext cx="6320790" cy="6320790"/>
+          </a:xfrm>
+          <a:prstGeom prst="rect">
+            <a:avLst/>
+          </a:prstGeom>
+        </p:spPr>
+      </p:pic>
+      <p:grpSp>
+        <p:nvGrpSpPr>
+          <p:cNvPr id="3" name="Group 3"/>
+          <p:cNvGrpSpPr/>
+          <p:nvPr/>
+        </p:nvGrpSpPr>
+        <p:grpSpPr>
+          <a:xfrm>
+            <a:off x="2114308" y="3255629"/>
+            <a:ext cx="14059385" cy="3758674"/>
+            <a:chOff x="0" y="19049"/>
+            <a:chExt cx="18745846" cy="5011567"/>
+          </a:xfrm>
+        </p:grpSpPr>
+        <p:sp>
+          <p:nvSpPr>
+            <p:cNvPr id="4" name="TextBox 4"/>
+            <p:cNvSpPr txBox="1"/>
+            <p:nvPr/>
+          </p:nvSpPr>
+          <p:spPr>
+            <a:xfrm>
+              <a:off x="0" y="19049"/>
+              <a:ext cx="18745846" cy="1795363"/>
+            </a:xfrm>
+            <a:prstGeom prst="rect">
+              <a:avLst/>
+            </a:prstGeom>
+          </p:spPr>
+          <p:txBody>
+            <a:bodyPr lIns="0" tIns="0" rIns="0" bIns="0" rtlCol="0" anchor="t">
+              <a:spAutoFit/>
+            </a:bodyPr>
+            <a:lstStyle/>
+            <a:p>
+              <a:pPr algn="ctr">
+                <a:lnSpc>
+                  <a:spcPts val="10530"/>
+                </a:lnSpc>
+              </a:pPr>
+              <a:r>
+                <a:rPr lang="en-US" sz="9000" spc="990" dirty="0">
+                  <a:solidFill>
+                    <a:srgbClr val="1E3653"/>
+                  </a:solidFill>
+                  <a:latin typeface="Fira Sans Black"/>
+                </a:rPr>
+                <a:t>WHAT NEXT?</a:t>
+              </a:r>
+              <a:endParaRPr lang="en-US" sz="9000" spc="990" dirty="0">
+                <a:solidFill>
+                  <a:srgbClr val="1E3653"/>
+                </a:solidFill>
+                <a:latin typeface="Fira Sans Black Bold"/>
+              </a:endParaRPr>
+            </a:p>
+          </p:txBody>
+        </p:sp>
+        <p:sp>
+          <p:nvSpPr>
+            <p:cNvPr id="5" name="TextBox 5"/>
+            <p:cNvSpPr txBox="1"/>
+            <p:nvPr/>
+          </p:nvSpPr>
+          <p:spPr>
+            <a:xfrm>
+              <a:off x="499371" y="4380865"/>
+              <a:ext cx="17747105" cy="649751"/>
+            </a:xfrm>
+            <a:prstGeom prst="rect">
+              <a:avLst/>
+            </a:prstGeom>
+          </p:spPr>
+          <p:txBody>
+            <a:bodyPr lIns="0" tIns="0" rIns="0" bIns="0" rtlCol="0" anchor="t">
+              <a:spAutoFit/>
+            </a:bodyPr>
+            <a:lstStyle/>
+            <a:p>
+              <a:pPr algn="ctr">
+                <a:lnSpc>
+                  <a:spcPts val="3776"/>
+                </a:lnSpc>
+              </a:pPr>
+              <a:endParaRPr lang="en-US" sz="3200" spc="412" dirty="0">
+                <a:solidFill>
+                  <a:srgbClr val="FFFFFF"/>
+                </a:solidFill>
+                <a:latin typeface="Fira Sans Medium"/>
+              </a:endParaRPr>
+            </a:p>
+          </p:txBody>
+        </p:sp>
+      </p:grpSp>
+    </p:spTree>
+    <p:extLst>
+      <p:ext uri="{BB962C8B-B14F-4D97-AF65-F5344CB8AC3E}">
+        <p14:creationId xmlns:p14="http://schemas.microsoft.com/office/powerpoint/2010/main" val="3424778984"/>
+      </p:ext>
+    </p:extLst>
+  </p:cSld>
+  <p:clrMapOvr>
+    <a:masterClrMapping/>
+  </p:clrMapOvr>
+</p:sld>
+</file>
+
 <file path=ppt/slides/slide16.xml><?xml version="1.0" encoding="utf-8"?>
+<p:sld xmlns:a="http://schemas.openxmlformats.org/drawingml/2006/main" xmlns:r="http://schemas.openxmlformats.org/officeDocument/2006/relationships" xmlns:p="http://schemas.openxmlformats.org/presentationml/2006/main">
+  <p:cSld>
+    <p:spTree>
+      <p:nvGrpSpPr>
+        <p:cNvPr id="1" name=""/>
+        <p:cNvGrpSpPr/>
+        <p:nvPr/>
+      </p:nvGrpSpPr>
+      <p:grpSpPr>
+        <a:xfrm>
+          <a:off x="0" y="0"/>
+          <a:ext cx="0" cy="0"/>
+          <a:chOff x="0" y="0"/>
+          <a:chExt cx="0" cy="0"/>
+        </a:xfrm>
+      </p:grpSpPr>
+      <p:sp>
+        <p:nvSpPr>
+          <p:cNvPr id="2" name="AutoShape 2"/>
+          <p:cNvSpPr/>
+          <p:nvPr/>
+        </p:nvSpPr>
+        <p:spPr>
+          <a:xfrm>
+            <a:off x="0" y="0"/>
+            <a:ext cx="18288000" cy="1910300"/>
+          </a:xfrm>
+          <a:prstGeom prst="rect">
+            <a:avLst/>
+          </a:prstGeom>
+          <a:solidFill>
+            <a:srgbClr val="0C70D4"/>
+          </a:solidFill>
+        </p:spPr>
+      </p:sp>
+      <p:grpSp>
+        <p:nvGrpSpPr>
+          <p:cNvPr id="3" name="Group 3"/>
+          <p:cNvGrpSpPr/>
+          <p:nvPr/>
+        </p:nvGrpSpPr>
+        <p:grpSpPr>
+          <a:xfrm rot="2294618">
+            <a:off x="15469920" y="3513593"/>
+            <a:ext cx="3578760" cy="8513090"/>
+            <a:chOff x="0" y="0"/>
+            <a:chExt cx="4771680" cy="11350786"/>
+          </a:xfrm>
+        </p:grpSpPr>
+        <p:pic>
+          <p:nvPicPr>
+            <p:cNvPr id="4" name="Picture 4"/>
+            <p:cNvPicPr>
+              <a:picLocks noChangeAspect="1"/>
+            </p:cNvPicPr>
+            <p:nvPr/>
+          </p:nvPicPr>
+          <p:blipFill>
+            <a:blip r:embed="rId3"/>
+            <a:srcRect/>
+            <a:stretch>
+              <a:fillRect/>
+            </a:stretch>
+          </p:blipFill>
+          <p:spPr>
+            <a:xfrm>
+              <a:off x="0" y="6579106"/>
+              <a:ext cx="4771680" cy="4771680"/>
+            </a:xfrm>
+            <a:prstGeom prst="rect">
+              <a:avLst/>
+            </a:prstGeom>
+          </p:spPr>
+        </p:pic>
+        <p:pic>
+          <p:nvPicPr>
+            <p:cNvPr id="5" name="Picture 5"/>
+            <p:cNvPicPr>
+              <a:picLocks noChangeAspect="1"/>
+            </p:cNvPicPr>
+            <p:nvPr/>
+          </p:nvPicPr>
+          <p:blipFill>
+            <a:blip r:embed="rId3"/>
+            <a:srcRect/>
+            <a:stretch>
+              <a:fillRect/>
+            </a:stretch>
+          </p:blipFill>
+          <p:spPr>
+            <a:xfrm>
+              <a:off x="0" y="3291575"/>
+              <a:ext cx="4771680" cy="4771680"/>
+            </a:xfrm>
+            <a:prstGeom prst="rect">
+              <a:avLst/>
+            </a:prstGeom>
+          </p:spPr>
+        </p:pic>
+        <p:pic>
+          <p:nvPicPr>
+            <p:cNvPr id="6" name="Picture 6"/>
+            <p:cNvPicPr>
+              <a:picLocks noChangeAspect="1"/>
+            </p:cNvPicPr>
+            <p:nvPr/>
+          </p:nvPicPr>
+          <p:blipFill>
+            <a:blip r:embed="rId4"/>
+            <a:srcRect/>
+            <a:stretch>
+              <a:fillRect/>
+            </a:stretch>
+          </p:blipFill>
+          <p:spPr>
+            <a:xfrm>
+              <a:off x="0" y="0"/>
+              <a:ext cx="4771680" cy="4771680"/>
+            </a:xfrm>
+            <a:prstGeom prst="rect">
+              <a:avLst/>
+            </a:prstGeom>
+          </p:spPr>
+        </p:pic>
+      </p:grpSp>
+      <p:pic>
+        <p:nvPicPr>
+          <p:cNvPr id="7" name="Picture 7"/>
+          <p:cNvPicPr>
+            <a:picLocks noChangeAspect="1"/>
+          </p:cNvPicPr>
+          <p:nvPr/>
+        </p:nvPicPr>
+        <p:blipFill>
+          <a:blip r:embed="rId5"/>
+          <a:srcRect/>
+          <a:stretch>
+            <a:fillRect/>
+          </a:stretch>
+        </p:blipFill>
+        <p:spPr>
+          <a:xfrm>
+            <a:off x="306323" y="135120"/>
+            <a:ext cx="1580870" cy="1580870"/>
+          </a:xfrm>
+          <a:prstGeom prst="rect">
+            <a:avLst/>
+          </a:prstGeom>
+        </p:spPr>
+      </p:pic>
+      <p:sp>
+        <p:nvSpPr>
+          <p:cNvPr id="8" name="TextBox 8"/>
+          <p:cNvSpPr txBox="1"/>
+          <p:nvPr/>
+        </p:nvSpPr>
+        <p:spPr>
+          <a:xfrm>
+            <a:off x="1676926" y="486390"/>
+            <a:ext cx="16153874" cy="923330"/>
+          </a:xfrm>
+          <a:prstGeom prst="rect">
+            <a:avLst/>
+          </a:prstGeom>
+        </p:spPr>
+        <p:txBody>
+          <a:bodyPr wrap="square" lIns="0" tIns="0" rIns="0" bIns="0" rtlCol="0" anchor="t">
+            <a:spAutoFit/>
+          </a:bodyPr>
+          <a:lstStyle/>
+          <a:p>
+            <a:pPr algn="r">
+              <a:lnSpc>
+                <a:spcPts val="7247"/>
+              </a:lnSpc>
+            </a:pPr>
+            <a:r>
+              <a:rPr lang="en-US" sz="6649" spc="731" dirty="0">
+                <a:solidFill>
+                  <a:srgbClr val="FFFFFF"/>
+                </a:solidFill>
+                <a:latin typeface="Fira Sans Bold"/>
+              </a:rPr>
+              <a:t>NEXT STEPS IN R FOR POWER BI</a:t>
+            </a:r>
+          </a:p>
+        </p:txBody>
+      </p:sp>
+      <p:sp>
+        <p:nvSpPr>
+          <p:cNvPr id="9" name="TextBox 8">
+            <a:extLst>
+              <a:ext uri="{FF2B5EF4-FFF2-40B4-BE49-F238E27FC236}">
+                <a16:creationId xmlns:a16="http://schemas.microsoft.com/office/drawing/2014/main" id="{9F40F8D6-2447-4343-843F-8CA83E5FBC1C}"/>
+              </a:ext>
+            </a:extLst>
+          </p:cNvPr>
+          <p:cNvSpPr txBox="1"/>
+          <p:nvPr/>
+        </p:nvSpPr>
+        <p:spPr>
+          <a:xfrm>
+            <a:off x="762000" y="2400300"/>
+            <a:ext cx="11430000" cy="3477875"/>
+          </a:xfrm>
+          <a:prstGeom prst="rect">
+            <a:avLst/>
+          </a:prstGeom>
+          <a:noFill/>
+        </p:spPr>
+        <p:txBody>
+          <a:bodyPr wrap="square" rtlCol="0">
+            <a:spAutoFit/>
+          </a:bodyPr>
+          <a:lstStyle/>
+          <a:p>
+            <a:pPr marL="742950" indent="-742950">
+              <a:buFont typeface="Arial" panose="020B0604020202020204" pitchFamily="34" charset="0"/>
+              <a:buChar char="•"/>
+            </a:pPr>
+            <a:r>
+              <a:rPr lang="en-US" sz="4400" dirty="0">
+                <a:latin typeface="Fira Sans Medium" panose="020B0603050000020004" pitchFamily="34" charset="0"/>
+              </a:rPr>
+              <a:t>Take </a:t>
+            </a:r>
+            <a:r>
+              <a:rPr lang="en-US" sz="4400" dirty="0">
+                <a:latin typeface="Fira Sans Medium" panose="020B0603050000020004" pitchFamily="34" charset="0"/>
+                <a:hlinkClick r:id="rId6"/>
+              </a:rPr>
+              <a:t>R for Power BI Users course</a:t>
+            </a:r>
+            <a:r>
+              <a:rPr lang="en-US" sz="4400" dirty="0">
+                <a:latin typeface="Fira Sans Medium" panose="020B0603050000020004" pitchFamily="34" charset="0"/>
+              </a:rPr>
+              <a:t> on Enterprise DNA</a:t>
+            </a:r>
+          </a:p>
+          <a:p>
+            <a:pPr marL="742950" indent="-742950">
+              <a:buFont typeface="Arial" panose="020B0604020202020204" pitchFamily="34" charset="0"/>
+              <a:buChar char="•"/>
+            </a:pPr>
+            <a:r>
+              <a:rPr lang="en-US" sz="4400" dirty="0">
+                <a:latin typeface="Fira Sans Medium" panose="020B0603050000020004" pitchFamily="34" charset="0"/>
+              </a:rPr>
+              <a:t>Read </a:t>
+            </a:r>
+            <a:r>
+              <a:rPr lang="en-US" sz="4400" i="1" dirty="0">
+                <a:latin typeface="Fira Sans Medium" panose="020B0603050000020004" pitchFamily="34" charset="0"/>
+                <a:hlinkClick r:id="rId7"/>
+              </a:rPr>
+              <a:t>Advancing into Analytics </a:t>
+            </a:r>
+            <a:endParaRPr lang="en-US" sz="4400" i="1" dirty="0">
+              <a:latin typeface="Fira Sans Medium" panose="020B0603050000020004" pitchFamily="34" charset="0"/>
+            </a:endParaRPr>
+          </a:p>
+          <a:p>
+            <a:pPr marL="742950" indent="-742950">
+              <a:buFont typeface="Arial" panose="020B0604020202020204" pitchFamily="34" charset="0"/>
+              <a:buChar char="•"/>
+            </a:pPr>
+            <a:r>
+              <a:rPr lang="en-US" sz="4400" dirty="0">
+                <a:latin typeface="Fira Sans Medium" panose="020B0603050000020004" pitchFamily="34" charset="0"/>
+              </a:rPr>
+              <a:t>Read </a:t>
+            </a:r>
+            <a:r>
+              <a:rPr lang="en-US" sz="4400" i="1" dirty="0">
+                <a:latin typeface="Fira Sans Medium" panose="020B0603050000020004" pitchFamily="34" charset="0"/>
+                <a:hlinkClick r:id="rId8"/>
+              </a:rPr>
+              <a:t>R for Data Science</a:t>
+            </a:r>
+            <a:endParaRPr lang="en-US" sz="4400" dirty="0">
+              <a:latin typeface="Fira Sans Medium" panose="020B0603050000020004" pitchFamily="34" charset="0"/>
+            </a:endParaRPr>
+          </a:p>
+          <a:p>
+            <a:pPr marL="742950" indent="-742950">
+              <a:buFont typeface="Arial" panose="020B0604020202020204" pitchFamily="34" charset="0"/>
+              <a:buChar char="•"/>
+            </a:pPr>
+            <a:endParaRPr lang="en-US" sz="4400" dirty="0">
+              <a:latin typeface="Fira Sans Medium" panose="020B0603050000020004" pitchFamily="34" charset="0"/>
+            </a:endParaRPr>
+          </a:p>
+        </p:txBody>
+      </p:sp>
+    </p:spTree>
+    <p:extLst>
+      <p:ext uri="{BB962C8B-B14F-4D97-AF65-F5344CB8AC3E}">
+        <p14:creationId xmlns:p14="http://schemas.microsoft.com/office/powerpoint/2010/main" val="1777128009"/>
+      </p:ext>
+    </p:extLst>
+  </p:cSld>
+  <p:clrMapOvr>
+    <a:masterClrMapping/>
+  </p:clrMapOvr>
+</p:sld>
+</file>
+
+<file path=ppt/slides/slide17.xml><?xml version="1.0" encoding="utf-8"?>
 <p:sld xmlns:a="http://schemas.openxmlformats.org/drawingml/2006/main" xmlns:r="http://schemas.openxmlformats.org/officeDocument/2006/relationships" xmlns:p="http://schemas.openxmlformats.org/presentationml/2006/main">
   <p:cSld>
     <p:bg>
@@ -5752,10 +6077,10 @@
         </p:nvGrpSpPr>
         <p:grpSpPr>
           <a:xfrm>
-            <a:off x="1028700" y="1028700"/>
-            <a:ext cx="10611535" cy="2950011"/>
-            <a:chOff x="0" y="0"/>
-            <a:chExt cx="14148713" cy="3933348"/>
+            <a:off x="1028700" y="921544"/>
+            <a:ext cx="10606648" cy="3057167"/>
+            <a:chOff x="0" y="-142875"/>
+            <a:chExt cx="14142197" cy="4076223"/>
           </a:xfrm>
         </p:grpSpPr>
         <p:sp>
@@ -5785,15 +6110,15 @@
           </p:nvSpPr>
           <p:spPr>
             <a:xfrm>
-              <a:off x="0" y="-142875"/>
-              <a:ext cx="14148713" cy="3444875"/>
+              <a:off x="1" y="-142875"/>
+              <a:ext cx="5537200" cy="3480440"/>
             </a:xfrm>
             <a:prstGeom prst="rect">
               <a:avLst/>
             </a:prstGeom>
           </p:spPr>
           <p:txBody>
-            <a:bodyPr lIns="0" tIns="0" rIns="0" bIns="0" rtlCol="0" anchor="t">
+            <a:bodyPr wrap="square" lIns="0" tIns="0" rIns="0" bIns="0" rtlCol="0" anchor="t">
               <a:spAutoFit/>
             </a:bodyPr>
             <a:lstStyle/>
@@ -5804,2514 +6129,18 @@
                 </a:lnSpc>
               </a:pPr>
               <a:r>
-                <a:rPr lang="en-US" sz="7500" spc="825">
+                <a:rPr lang="en-US" sz="7500" spc="825" dirty="0">
                   <a:solidFill>
                     <a:srgbClr val="178CFF"/>
                   </a:solidFill>
                   <a:latin typeface="League Spartan Italics"/>
                 </a:rPr>
-                <a:t>UNDERSTANDING MINDFULNESS</a:t>
+                <a:t>THANK YOU</a:t>
               </a:r>
             </a:p>
           </p:txBody>
         </p:sp>
       </p:grpSp>
-      <p:sp>
-        <p:nvSpPr>
-          <p:cNvPr id="5" name="TextBox 5"/>
-          <p:cNvSpPr txBox="1"/>
-          <p:nvPr/>
-        </p:nvSpPr>
-        <p:spPr>
-          <a:xfrm>
-            <a:off x="1028700" y="8298504"/>
-            <a:ext cx="11713261" cy="994410"/>
-          </a:xfrm>
-          <a:prstGeom prst="rect">
-            <a:avLst/>
-          </a:prstGeom>
-        </p:spPr>
-        <p:txBody>
-          <a:bodyPr lIns="0" tIns="0" rIns="0" bIns="0" rtlCol="0" anchor="t">
-            <a:spAutoFit/>
-          </a:bodyPr>
-          <a:lstStyle/>
-          <a:p>
-            <a:pPr>
-              <a:lnSpc>
-                <a:spcPts val="4050"/>
-              </a:lnSpc>
-            </a:pPr>
-            <a:r>
-              <a:rPr lang="en-US" sz="2700" spc="175">
-                <a:solidFill>
-                  <a:srgbClr val="FFFFFF"/>
-                </a:solidFill>
-                <a:latin typeface="Fira Sans Medium"/>
-              </a:rPr>
-              <a:t>Lorem ipsum dolor sit amet, consectetur adipiscing elit, sed do eiusmod tempor incididunt ut labore et dolore magna aliqua.</a:t>
-            </a:r>
-          </a:p>
-        </p:txBody>
-      </p:sp>
-    </p:spTree>
-  </p:cSld>
-  <p:clrMapOvr>
-    <a:masterClrMapping/>
-  </p:clrMapOvr>
-</p:sld>
-</file>
-
-<file path=ppt/slides/slide17.xml><?xml version="1.0" encoding="utf-8"?>
-<p:sld xmlns:a="http://schemas.openxmlformats.org/drawingml/2006/main" xmlns:r="http://schemas.openxmlformats.org/officeDocument/2006/relationships" xmlns:p="http://schemas.openxmlformats.org/presentationml/2006/main">
-  <p:cSld>
-    <p:bg>
-      <p:bgPr>
-        <a:solidFill>
-          <a:srgbClr val="348DDB"/>
-        </a:solidFill>
-        <a:effectLst/>
-      </p:bgPr>
-    </p:bg>
-    <p:spTree>
-      <p:nvGrpSpPr>
-        <p:cNvPr id="1" name=""/>
-        <p:cNvGrpSpPr/>
-        <p:nvPr/>
-      </p:nvGrpSpPr>
-      <p:grpSpPr>
-        <a:xfrm>
-          <a:off x="0" y="0"/>
-          <a:ext cx="0" cy="0"/>
-          <a:chOff x="0" y="0"/>
-          <a:chExt cx="0" cy="0"/>
-        </a:xfrm>
-      </p:grpSpPr>
-      <p:sp>
-        <p:nvSpPr>
-          <p:cNvPr id="2" name="AutoShape 2"/>
-          <p:cNvSpPr/>
-          <p:nvPr/>
-        </p:nvSpPr>
-        <p:spPr>
-          <a:xfrm>
-            <a:off x="11517929" y="-87612"/>
-            <a:ext cx="6791404" cy="10462224"/>
-          </a:xfrm>
-          <a:prstGeom prst="rect">
-            <a:avLst/>
-          </a:prstGeom>
-          <a:solidFill>
-            <a:srgbClr val="273755"/>
-          </a:solidFill>
-        </p:spPr>
-      </p:sp>
-      <p:grpSp>
-        <p:nvGrpSpPr>
-          <p:cNvPr id="3" name="Group 3"/>
-          <p:cNvGrpSpPr/>
-          <p:nvPr/>
-        </p:nvGrpSpPr>
-        <p:grpSpPr>
-          <a:xfrm>
-            <a:off x="12408173" y="1512037"/>
-            <a:ext cx="5010917" cy="7262927"/>
-            <a:chOff x="0" y="0"/>
-            <a:chExt cx="6681223" cy="9683903"/>
-          </a:xfrm>
-        </p:grpSpPr>
-        <p:sp>
-          <p:nvSpPr>
-            <p:cNvPr id="4" name="TextBox 4"/>
-            <p:cNvSpPr txBox="1"/>
-            <p:nvPr/>
-          </p:nvSpPr>
-          <p:spPr>
-            <a:xfrm>
-              <a:off x="470814" y="9237570"/>
-              <a:ext cx="1242082" cy="446332"/>
-            </a:xfrm>
-            <a:prstGeom prst="rect">
-              <a:avLst/>
-            </a:prstGeom>
-          </p:spPr>
-          <p:txBody>
-            <a:bodyPr lIns="0" tIns="0" rIns="0" bIns="0" rtlCol="0" anchor="t">
-              <a:spAutoFit/>
-            </a:bodyPr>
-            <a:lstStyle/>
-            <a:p>
-              <a:pPr algn="ctr">
-                <a:lnSpc>
-                  <a:spcPts val="2800"/>
-                </a:lnSpc>
-              </a:pPr>
-              <a:r>
-                <a:rPr lang="en-US" sz="2000">
-                  <a:solidFill>
-                    <a:srgbClr val="348DDB"/>
-                  </a:solidFill>
-                  <a:latin typeface="Arimo"/>
-                </a:rPr>
-                <a:t>Item 1</a:t>
-              </a:r>
-            </a:p>
-          </p:txBody>
-        </p:sp>
-        <p:sp>
-          <p:nvSpPr>
-            <p:cNvPr id="5" name="TextBox 5"/>
-            <p:cNvSpPr txBox="1"/>
-            <p:nvPr/>
-          </p:nvSpPr>
-          <p:spPr>
-            <a:xfrm>
-              <a:off x="1712895" y="9237570"/>
-              <a:ext cx="1242082" cy="446332"/>
-            </a:xfrm>
-            <a:prstGeom prst="rect">
-              <a:avLst/>
-            </a:prstGeom>
-          </p:spPr>
-          <p:txBody>
-            <a:bodyPr lIns="0" tIns="0" rIns="0" bIns="0" rtlCol="0" anchor="t">
-              <a:spAutoFit/>
-            </a:bodyPr>
-            <a:lstStyle/>
-            <a:p>
-              <a:pPr algn="ctr">
-                <a:lnSpc>
-                  <a:spcPts val="2800"/>
-                </a:lnSpc>
-              </a:pPr>
-              <a:r>
-                <a:rPr lang="en-US" sz="2000">
-                  <a:solidFill>
-                    <a:srgbClr val="348DDB"/>
-                  </a:solidFill>
-                  <a:latin typeface="Arimo"/>
-                </a:rPr>
-                <a:t>Item 2</a:t>
-              </a:r>
-            </a:p>
-          </p:txBody>
-        </p:sp>
-        <p:sp>
-          <p:nvSpPr>
-            <p:cNvPr id="6" name="TextBox 6"/>
-            <p:cNvSpPr txBox="1"/>
-            <p:nvPr/>
-          </p:nvSpPr>
-          <p:spPr>
-            <a:xfrm>
-              <a:off x="2954977" y="9237570"/>
-              <a:ext cx="1242082" cy="446332"/>
-            </a:xfrm>
-            <a:prstGeom prst="rect">
-              <a:avLst/>
-            </a:prstGeom>
-          </p:spPr>
-          <p:txBody>
-            <a:bodyPr lIns="0" tIns="0" rIns="0" bIns="0" rtlCol="0" anchor="t">
-              <a:spAutoFit/>
-            </a:bodyPr>
-            <a:lstStyle/>
-            <a:p>
-              <a:pPr algn="ctr">
-                <a:lnSpc>
-                  <a:spcPts val="2800"/>
-                </a:lnSpc>
-              </a:pPr>
-              <a:r>
-                <a:rPr lang="en-US" sz="2000">
-                  <a:solidFill>
-                    <a:srgbClr val="348DDB"/>
-                  </a:solidFill>
-                  <a:latin typeface="Arimo"/>
-                </a:rPr>
-                <a:t>Item 3</a:t>
-              </a:r>
-            </a:p>
-          </p:txBody>
-        </p:sp>
-        <p:sp>
-          <p:nvSpPr>
-            <p:cNvPr id="7" name="TextBox 7"/>
-            <p:cNvSpPr txBox="1"/>
-            <p:nvPr/>
-          </p:nvSpPr>
-          <p:spPr>
-            <a:xfrm>
-              <a:off x="4197059" y="9237570"/>
-              <a:ext cx="1242082" cy="446332"/>
-            </a:xfrm>
-            <a:prstGeom prst="rect">
-              <a:avLst/>
-            </a:prstGeom>
-          </p:spPr>
-          <p:txBody>
-            <a:bodyPr lIns="0" tIns="0" rIns="0" bIns="0" rtlCol="0" anchor="t">
-              <a:spAutoFit/>
-            </a:bodyPr>
-            <a:lstStyle/>
-            <a:p>
-              <a:pPr algn="ctr">
-                <a:lnSpc>
-                  <a:spcPts val="2800"/>
-                </a:lnSpc>
-              </a:pPr>
-              <a:r>
-                <a:rPr lang="en-US" sz="2000">
-                  <a:solidFill>
-                    <a:srgbClr val="348DDB"/>
-                  </a:solidFill>
-                  <a:latin typeface="Arimo"/>
-                </a:rPr>
-                <a:t>Item 4</a:t>
-              </a:r>
-            </a:p>
-          </p:txBody>
-        </p:sp>
-        <p:sp>
-          <p:nvSpPr>
-            <p:cNvPr id="8" name="TextBox 8"/>
-            <p:cNvSpPr txBox="1"/>
-            <p:nvPr/>
-          </p:nvSpPr>
-          <p:spPr>
-            <a:xfrm>
-              <a:off x="5439141" y="9237570"/>
-              <a:ext cx="1242082" cy="446332"/>
-            </a:xfrm>
-            <a:prstGeom prst="rect">
-              <a:avLst/>
-            </a:prstGeom>
-          </p:spPr>
-          <p:txBody>
-            <a:bodyPr lIns="0" tIns="0" rIns="0" bIns="0" rtlCol="0" anchor="t">
-              <a:spAutoFit/>
-            </a:bodyPr>
-            <a:lstStyle/>
-            <a:p>
-              <a:pPr algn="ctr">
-                <a:lnSpc>
-                  <a:spcPts val="2800"/>
-                </a:lnSpc>
-              </a:pPr>
-              <a:r>
-                <a:rPr lang="en-US" sz="2000">
-                  <a:solidFill>
-                    <a:srgbClr val="348DDB"/>
-                  </a:solidFill>
-                  <a:latin typeface="Arimo"/>
-                </a:rPr>
-                <a:t>Item 5</a:t>
-              </a:r>
-            </a:p>
-          </p:txBody>
-        </p:sp>
-        <p:grpSp>
-          <p:nvGrpSpPr>
-            <p:cNvPr id="9" name="Group 9"/>
-            <p:cNvGrpSpPr>
-              <a:grpSpLocks noChangeAspect="1"/>
-            </p:cNvGrpSpPr>
-            <p:nvPr/>
-          </p:nvGrpSpPr>
-          <p:grpSpPr>
-            <a:xfrm>
-              <a:off x="470814" y="199354"/>
-              <a:ext cx="6210409" cy="9085842"/>
-              <a:chOff x="0" y="0"/>
-              <a:chExt cx="7609219" cy="11132303"/>
-            </a:xfrm>
-          </p:grpSpPr>
-          <p:sp>
-            <p:nvSpPr>
-              <p:cNvPr id="10" name="Freeform 10"/>
-              <p:cNvSpPr/>
-              <p:nvPr/>
-            </p:nvSpPr>
-            <p:spPr>
-              <a:xfrm>
-                <a:off x="0" y="-6350"/>
-                <a:ext cx="7609218" cy="11145003"/>
-              </a:xfrm>
-              <a:custGeom>
-                <a:avLst/>
-                <a:gdLst/>
-                <a:ahLst/>
-                <a:cxnLst/>
-                <a:rect l="l" t="t" r="r" b="b"/>
-                <a:pathLst>
-                  <a:path w="7609218" h="11145003">
-                    <a:moveTo>
-                      <a:pt x="0" y="0"/>
-                    </a:moveTo>
-                    <a:lnTo>
-                      <a:pt x="7609218" y="0"/>
-                    </a:lnTo>
-                    <a:lnTo>
-                      <a:pt x="7609218" y="12700"/>
-                    </a:lnTo>
-                    <a:lnTo>
-                      <a:pt x="0" y="12700"/>
-                    </a:lnTo>
-                    <a:close/>
-                    <a:moveTo>
-                      <a:pt x="0" y="2783076"/>
-                    </a:moveTo>
-                    <a:lnTo>
-                      <a:pt x="7609218" y="2783076"/>
-                    </a:lnTo>
-                    <a:lnTo>
-                      <a:pt x="7609218" y="2795776"/>
-                    </a:lnTo>
-                    <a:lnTo>
-                      <a:pt x="0" y="2795776"/>
-                    </a:lnTo>
-                    <a:close/>
-                    <a:moveTo>
-                      <a:pt x="0" y="5566151"/>
-                    </a:moveTo>
-                    <a:lnTo>
-                      <a:pt x="7609218" y="5566151"/>
-                    </a:lnTo>
-                    <a:lnTo>
-                      <a:pt x="7609218" y="5578851"/>
-                    </a:lnTo>
-                    <a:lnTo>
-                      <a:pt x="0" y="5578851"/>
-                    </a:lnTo>
-                    <a:close/>
-                    <a:moveTo>
-                      <a:pt x="0" y="8349228"/>
-                    </a:moveTo>
-                    <a:lnTo>
-                      <a:pt x="7609218" y="8349228"/>
-                    </a:lnTo>
-                    <a:lnTo>
-                      <a:pt x="7609218" y="8361928"/>
-                    </a:lnTo>
-                    <a:lnTo>
-                      <a:pt x="0" y="8361928"/>
-                    </a:lnTo>
-                    <a:close/>
-                    <a:moveTo>
-                      <a:pt x="0" y="11132303"/>
-                    </a:moveTo>
-                    <a:lnTo>
-                      <a:pt x="7609218" y="11132303"/>
-                    </a:lnTo>
-                    <a:lnTo>
-                      <a:pt x="7609218" y="11145003"/>
-                    </a:lnTo>
-                    <a:lnTo>
-                      <a:pt x="0" y="11145003"/>
-                    </a:lnTo>
-                    <a:close/>
-                  </a:path>
-                </a:pathLst>
-              </a:custGeom>
-              <a:solidFill>
-                <a:srgbClr val="222222">
-                  <a:alpha val="24705"/>
-                </a:srgbClr>
-              </a:solidFill>
-            </p:spPr>
-          </p:sp>
-        </p:grpSp>
-        <p:sp>
-          <p:nvSpPr>
-            <p:cNvPr id="11" name="TextBox 11"/>
-            <p:cNvSpPr txBox="1"/>
-            <p:nvPr/>
-          </p:nvSpPr>
-          <p:spPr>
-            <a:xfrm>
-              <a:off x="0" y="-47625"/>
-              <a:ext cx="470814" cy="446332"/>
-            </a:xfrm>
-            <a:prstGeom prst="rect">
-              <a:avLst/>
-            </a:prstGeom>
-          </p:spPr>
-          <p:txBody>
-            <a:bodyPr lIns="0" tIns="0" rIns="0" bIns="0" rtlCol="0" anchor="t">
-              <a:spAutoFit/>
-            </a:bodyPr>
-            <a:lstStyle/>
-            <a:p>
-              <a:pPr algn="r">
-                <a:lnSpc>
-                  <a:spcPts val="2800"/>
-                </a:lnSpc>
-              </a:pPr>
-              <a:r>
-                <a:rPr lang="en-US" sz="2000">
-                  <a:solidFill>
-                    <a:srgbClr val="348DDB"/>
-                  </a:solidFill>
-                  <a:latin typeface="Arimo"/>
-                </a:rPr>
-                <a:t>40 </a:t>
-              </a:r>
-            </a:p>
-          </p:txBody>
-        </p:sp>
-        <p:sp>
-          <p:nvSpPr>
-            <p:cNvPr id="12" name="TextBox 12"/>
-            <p:cNvSpPr txBox="1"/>
-            <p:nvPr/>
-          </p:nvSpPr>
-          <p:spPr>
-            <a:xfrm>
-              <a:off x="0" y="2223835"/>
-              <a:ext cx="470814" cy="446332"/>
-            </a:xfrm>
-            <a:prstGeom prst="rect">
-              <a:avLst/>
-            </a:prstGeom>
-          </p:spPr>
-          <p:txBody>
-            <a:bodyPr lIns="0" tIns="0" rIns="0" bIns="0" rtlCol="0" anchor="t">
-              <a:spAutoFit/>
-            </a:bodyPr>
-            <a:lstStyle/>
-            <a:p>
-              <a:pPr algn="r">
-                <a:lnSpc>
-                  <a:spcPts val="2800"/>
-                </a:lnSpc>
-              </a:pPr>
-              <a:r>
-                <a:rPr lang="en-US" sz="2000">
-                  <a:solidFill>
-                    <a:srgbClr val="348DDB"/>
-                  </a:solidFill>
-                  <a:latin typeface="Arimo"/>
-                </a:rPr>
-                <a:t>30 </a:t>
-              </a:r>
-            </a:p>
-          </p:txBody>
-        </p:sp>
-        <p:sp>
-          <p:nvSpPr>
-            <p:cNvPr id="13" name="TextBox 13"/>
-            <p:cNvSpPr txBox="1"/>
-            <p:nvPr/>
-          </p:nvSpPr>
-          <p:spPr>
-            <a:xfrm>
-              <a:off x="0" y="4495296"/>
-              <a:ext cx="470814" cy="446332"/>
-            </a:xfrm>
-            <a:prstGeom prst="rect">
-              <a:avLst/>
-            </a:prstGeom>
-          </p:spPr>
-          <p:txBody>
-            <a:bodyPr lIns="0" tIns="0" rIns="0" bIns="0" rtlCol="0" anchor="t">
-              <a:spAutoFit/>
-            </a:bodyPr>
-            <a:lstStyle/>
-            <a:p>
-              <a:pPr algn="r">
-                <a:lnSpc>
-                  <a:spcPts val="2800"/>
-                </a:lnSpc>
-              </a:pPr>
-              <a:r>
-                <a:rPr lang="en-US" sz="2000">
-                  <a:solidFill>
-                    <a:srgbClr val="348DDB"/>
-                  </a:solidFill>
-                  <a:latin typeface="Arimo"/>
-                </a:rPr>
-                <a:t>20 </a:t>
-              </a:r>
-            </a:p>
-          </p:txBody>
-        </p:sp>
-        <p:sp>
-          <p:nvSpPr>
-            <p:cNvPr id="14" name="TextBox 14"/>
-            <p:cNvSpPr txBox="1"/>
-            <p:nvPr/>
-          </p:nvSpPr>
-          <p:spPr>
-            <a:xfrm>
-              <a:off x="0" y="6766756"/>
-              <a:ext cx="470814" cy="446332"/>
-            </a:xfrm>
-            <a:prstGeom prst="rect">
-              <a:avLst/>
-            </a:prstGeom>
-          </p:spPr>
-          <p:txBody>
-            <a:bodyPr lIns="0" tIns="0" rIns="0" bIns="0" rtlCol="0" anchor="t">
-              <a:spAutoFit/>
-            </a:bodyPr>
-            <a:lstStyle/>
-            <a:p>
-              <a:pPr algn="r">
-                <a:lnSpc>
-                  <a:spcPts val="2800"/>
-                </a:lnSpc>
-              </a:pPr>
-              <a:r>
-                <a:rPr lang="en-US" sz="2000">
-                  <a:solidFill>
-                    <a:srgbClr val="348DDB"/>
-                  </a:solidFill>
-                  <a:latin typeface="Arimo"/>
-                </a:rPr>
-                <a:t>10 </a:t>
-              </a:r>
-            </a:p>
-          </p:txBody>
-        </p:sp>
-        <p:sp>
-          <p:nvSpPr>
-            <p:cNvPr id="15" name="TextBox 15"/>
-            <p:cNvSpPr txBox="1"/>
-            <p:nvPr/>
-          </p:nvSpPr>
-          <p:spPr>
-            <a:xfrm>
-              <a:off x="188358" y="9038217"/>
-              <a:ext cx="282456" cy="446332"/>
-            </a:xfrm>
-            <a:prstGeom prst="rect">
-              <a:avLst/>
-            </a:prstGeom>
-          </p:spPr>
-          <p:txBody>
-            <a:bodyPr lIns="0" tIns="0" rIns="0" bIns="0" rtlCol="0" anchor="t">
-              <a:spAutoFit/>
-            </a:bodyPr>
-            <a:lstStyle/>
-            <a:p>
-              <a:pPr algn="r">
-                <a:lnSpc>
-                  <a:spcPts val="2800"/>
-                </a:lnSpc>
-              </a:pPr>
-              <a:r>
-                <a:rPr lang="en-US" sz="2000">
-                  <a:solidFill>
-                    <a:srgbClr val="348DDB"/>
-                  </a:solidFill>
-                  <a:latin typeface="Arimo"/>
-                </a:rPr>
-                <a:t>0 </a:t>
-              </a:r>
-            </a:p>
-          </p:txBody>
-        </p:sp>
-        <p:grpSp>
-          <p:nvGrpSpPr>
-            <p:cNvPr id="16" name="Group 16"/>
-            <p:cNvGrpSpPr>
-              <a:grpSpLocks noChangeAspect="1"/>
-            </p:cNvGrpSpPr>
-            <p:nvPr/>
-          </p:nvGrpSpPr>
-          <p:grpSpPr>
-            <a:xfrm>
-              <a:off x="470814" y="199354"/>
-              <a:ext cx="6210409" cy="9085842"/>
-              <a:chOff x="0" y="0"/>
-              <a:chExt cx="7609219" cy="11132303"/>
-            </a:xfrm>
-          </p:grpSpPr>
-          <p:sp>
-            <p:nvSpPr>
-              <p:cNvPr id="17" name="Freeform 17"/>
-              <p:cNvSpPr/>
-              <p:nvPr/>
-            </p:nvSpPr>
-            <p:spPr>
-              <a:xfrm>
-                <a:off x="697422" y="3880090"/>
-                <a:ext cx="1608872" cy="2305893"/>
-              </a:xfrm>
-              <a:custGeom>
-                <a:avLst/>
-                <a:gdLst/>
-                <a:ahLst/>
-                <a:cxnLst/>
-                <a:rect l="l" t="t" r="r" b="b"/>
-                <a:pathLst>
-                  <a:path w="1608872" h="2305893">
-                    <a:moveTo>
-                      <a:pt x="127000" y="2242677"/>
-                    </a:moveTo>
-                    <a:cubicBezTo>
-                      <a:pt x="126843" y="2207717"/>
-                      <a:pt x="98459" y="2179460"/>
-                      <a:pt x="63500" y="2179460"/>
-                    </a:cubicBezTo>
-                    <a:cubicBezTo>
-                      <a:pt x="28540" y="2179460"/>
-                      <a:pt x="156" y="2207717"/>
-                      <a:pt x="0" y="2242677"/>
-                    </a:cubicBezTo>
-                    <a:cubicBezTo>
-                      <a:pt x="156" y="2277636"/>
-                      <a:pt x="28540" y="2305893"/>
-                      <a:pt x="63500" y="2305893"/>
-                    </a:cubicBezTo>
-                    <a:cubicBezTo>
-                      <a:pt x="98459" y="2305893"/>
-                      <a:pt x="126843" y="2277636"/>
-                      <a:pt x="127000" y="2242677"/>
-                    </a:cubicBezTo>
-                    <a:close/>
-                    <a:moveTo>
-                      <a:pt x="39972" y="2226461"/>
-                    </a:moveTo>
-                    <a:lnTo>
-                      <a:pt x="87028" y="2258893"/>
-                    </a:lnTo>
-                    <a:lnTo>
-                      <a:pt x="1608872" y="32432"/>
-                    </a:lnTo>
-                    <a:lnTo>
-                      <a:pt x="1561816" y="0"/>
-                    </a:lnTo>
-                    <a:close/>
-                  </a:path>
-                </a:pathLst>
-              </a:custGeom>
-              <a:solidFill>
-                <a:srgbClr val="348DDB"/>
-              </a:solidFill>
-            </p:spPr>
-          </p:sp>
-          <p:sp>
-            <p:nvSpPr>
-              <p:cNvPr id="18" name="Freeform 18"/>
-              <p:cNvSpPr/>
-              <p:nvPr/>
-            </p:nvSpPr>
-            <p:spPr>
-              <a:xfrm>
-                <a:off x="2219266" y="3833089"/>
-                <a:ext cx="1599000" cy="923240"/>
-              </a:xfrm>
-              <a:custGeom>
-                <a:avLst/>
-                <a:gdLst/>
-                <a:ahLst/>
-                <a:cxnLst/>
-                <a:rect l="l" t="t" r="r" b="b"/>
-                <a:pathLst>
-                  <a:path w="1599000" h="923240">
-                    <a:moveTo>
-                      <a:pt x="127000" y="63217"/>
-                    </a:moveTo>
-                    <a:cubicBezTo>
-                      <a:pt x="126843" y="28258"/>
-                      <a:pt x="98459" y="0"/>
-                      <a:pt x="63500" y="0"/>
-                    </a:cubicBezTo>
-                    <a:cubicBezTo>
-                      <a:pt x="28540" y="0"/>
-                      <a:pt x="156" y="28258"/>
-                      <a:pt x="0" y="63217"/>
-                    </a:cubicBezTo>
-                    <a:cubicBezTo>
-                      <a:pt x="156" y="98176"/>
-                      <a:pt x="28540" y="126434"/>
-                      <a:pt x="63500" y="126434"/>
-                    </a:cubicBezTo>
-                    <a:cubicBezTo>
-                      <a:pt x="98459" y="126434"/>
-                      <a:pt x="126843" y="98176"/>
-                      <a:pt x="127000" y="63217"/>
-                    </a:cubicBezTo>
-                    <a:close/>
-                    <a:moveTo>
-                      <a:pt x="77156" y="38117"/>
-                    </a:moveTo>
-                    <a:lnTo>
-                      <a:pt x="49843" y="88317"/>
-                    </a:lnTo>
-                    <a:lnTo>
-                      <a:pt x="1571687" y="923240"/>
-                    </a:lnTo>
-                    <a:lnTo>
-                      <a:pt x="1599000" y="873040"/>
-                    </a:lnTo>
-                    <a:close/>
-                  </a:path>
-                </a:pathLst>
-              </a:custGeom>
-              <a:solidFill>
-                <a:srgbClr val="348DDB"/>
-              </a:solidFill>
-            </p:spPr>
-          </p:sp>
-          <p:sp>
-            <p:nvSpPr>
-              <p:cNvPr id="19" name="Freeform 19"/>
-              <p:cNvSpPr/>
-              <p:nvPr/>
-            </p:nvSpPr>
-            <p:spPr>
-              <a:xfrm>
-                <a:off x="3741109" y="1379607"/>
-                <a:ext cx="1611309" cy="3414838"/>
-              </a:xfrm>
-              <a:custGeom>
-                <a:avLst/>
-                <a:gdLst/>
-                <a:ahLst/>
-                <a:cxnLst/>
-                <a:rect l="l" t="t" r="r" b="b"/>
-                <a:pathLst>
-                  <a:path w="1611309" h="3414838">
-                    <a:moveTo>
-                      <a:pt x="127000" y="3351622"/>
-                    </a:moveTo>
-                    <a:cubicBezTo>
-                      <a:pt x="126844" y="3316663"/>
-                      <a:pt x="98460" y="3288405"/>
-                      <a:pt x="63500" y="3288405"/>
-                    </a:cubicBezTo>
-                    <a:cubicBezTo>
-                      <a:pt x="28541" y="3288405"/>
-                      <a:pt x="156" y="3316663"/>
-                      <a:pt x="0" y="3351622"/>
-                    </a:cubicBezTo>
-                    <a:cubicBezTo>
-                      <a:pt x="156" y="3386581"/>
-                      <a:pt x="28541" y="3414838"/>
-                      <a:pt x="63500" y="3414838"/>
-                    </a:cubicBezTo>
-                    <a:cubicBezTo>
-                      <a:pt x="98460" y="3414838"/>
-                      <a:pt x="126844" y="3386581"/>
-                      <a:pt x="127000" y="3351622"/>
-                    </a:cubicBezTo>
-                    <a:close/>
-                    <a:moveTo>
-                      <a:pt x="37535" y="3339691"/>
-                    </a:moveTo>
-                    <a:lnTo>
-                      <a:pt x="89466" y="3363552"/>
-                    </a:lnTo>
-                    <a:lnTo>
-                      <a:pt x="1611309" y="23862"/>
-                    </a:lnTo>
-                    <a:lnTo>
-                      <a:pt x="1559379" y="0"/>
-                    </a:lnTo>
-                    <a:close/>
-                  </a:path>
-                </a:pathLst>
-              </a:custGeom>
-              <a:solidFill>
-                <a:srgbClr val="348DDB"/>
-              </a:solidFill>
-            </p:spPr>
-          </p:sp>
-          <p:sp>
-            <p:nvSpPr>
-              <p:cNvPr id="20" name="Freeform 20"/>
-              <p:cNvSpPr/>
-              <p:nvPr/>
-            </p:nvSpPr>
-            <p:spPr>
-              <a:xfrm>
-                <a:off x="5262953" y="1050014"/>
-                <a:ext cx="1648844" cy="404741"/>
-              </a:xfrm>
-              <a:custGeom>
-                <a:avLst/>
-                <a:gdLst/>
-                <a:ahLst/>
-                <a:cxnLst/>
-                <a:rect l="l" t="t" r="r" b="b"/>
-                <a:pathLst>
-                  <a:path w="1648844" h="404741">
-                    <a:moveTo>
-                      <a:pt x="127000" y="341524"/>
-                    </a:moveTo>
-                    <a:cubicBezTo>
-                      <a:pt x="126844" y="306565"/>
-                      <a:pt x="98460" y="278307"/>
-                      <a:pt x="63500" y="278307"/>
-                    </a:cubicBezTo>
-                    <a:cubicBezTo>
-                      <a:pt x="28541" y="278307"/>
-                      <a:pt x="156" y="306565"/>
-                      <a:pt x="0" y="341524"/>
-                    </a:cubicBezTo>
-                    <a:cubicBezTo>
-                      <a:pt x="156" y="376483"/>
-                      <a:pt x="28541" y="404741"/>
-                      <a:pt x="63500" y="404741"/>
-                    </a:cubicBezTo>
-                    <a:cubicBezTo>
-                      <a:pt x="98460" y="404741"/>
-                      <a:pt x="126844" y="376483"/>
-                      <a:pt x="127000" y="341524"/>
-                    </a:cubicBezTo>
-                    <a:close/>
-                    <a:moveTo>
-                      <a:pt x="58401" y="313408"/>
-                    </a:moveTo>
-                    <a:lnTo>
-                      <a:pt x="68599" y="369640"/>
-                    </a:lnTo>
-                    <a:lnTo>
-                      <a:pt x="1590443" y="91333"/>
-                    </a:lnTo>
-                    <a:lnTo>
-                      <a:pt x="1580245" y="35100"/>
-                    </a:lnTo>
-                    <a:close/>
-                    <a:moveTo>
-                      <a:pt x="1648844" y="63216"/>
-                    </a:moveTo>
-                    <a:cubicBezTo>
-                      <a:pt x="1648687" y="28257"/>
-                      <a:pt x="1620304" y="0"/>
-                      <a:pt x="1585344" y="0"/>
-                    </a:cubicBezTo>
-                    <a:cubicBezTo>
-                      <a:pt x="1550384" y="0"/>
-                      <a:pt x="1522000" y="28257"/>
-                      <a:pt x="1521844" y="63216"/>
-                    </a:cubicBezTo>
-                    <a:cubicBezTo>
-                      <a:pt x="1522000" y="98176"/>
-                      <a:pt x="1550384" y="126433"/>
-                      <a:pt x="1585344" y="126433"/>
-                    </a:cubicBezTo>
-                    <a:cubicBezTo>
-                      <a:pt x="1620304" y="126433"/>
-                      <a:pt x="1648687" y="98176"/>
-                      <a:pt x="1648844" y="63216"/>
-                    </a:cubicBezTo>
-                    <a:close/>
-                  </a:path>
-                </a:pathLst>
-              </a:custGeom>
-              <a:solidFill>
-                <a:srgbClr val="348DDB"/>
-              </a:solidFill>
-            </p:spPr>
-          </p:sp>
-          <p:sp>
-            <p:nvSpPr>
-              <p:cNvPr id="21" name="Freeform 21"/>
-              <p:cNvSpPr/>
-              <p:nvPr/>
-            </p:nvSpPr>
-            <p:spPr>
-              <a:xfrm>
-                <a:off x="697422" y="7729396"/>
-                <a:ext cx="1590443" cy="369640"/>
-              </a:xfrm>
-              <a:custGeom>
-                <a:avLst/>
-                <a:gdLst/>
-                <a:ahLst/>
-                <a:cxnLst/>
-                <a:rect l="l" t="t" r="r" b="b"/>
-                <a:pathLst>
-                  <a:path w="1590443" h="369640">
-                    <a:moveTo>
-                      <a:pt x="127000" y="63216"/>
-                    </a:moveTo>
-                    <a:cubicBezTo>
-                      <a:pt x="126843" y="28257"/>
-                      <a:pt x="98459" y="0"/>
-                      <a:pt x="63500" y="0"/>
-                    </a:cubicBezTo>
-                    <a:cubicBezTo>
-                      <a:pt x="28540" y="0"/>
-                      <a:pt x="156" y="28257"/>
-                      <a:pt x="0" y="63216"/>
-                    </a:cubicBezTo>
-                    <a:cubicBezTo>
-                      <a:pt x="156" y="98175"/>
-                      <a:pt x="28540" y="126432"/>
-                      <a:pt x="63500" y="126432"/>
-                    </a:cubicBezTo>
-                    <a:cubicBezTo>
-                      <a:pt x="98459" y="126432"/>
-                      <a:pt x="126843" y="98175"/>
-                      <a:pt x="127000" y="63216"/>
-                    </a:cubicBezTo>
-                    <a:close/>
-                    <a:moveTo>
-                      <a:pt x="68599" y="35100"/>
-                    </a:moveTo>
-                    <a:lnTo>
-                      <a:pt x="58401" y="91332"/>
-                    </a:lnTo>
-                    <a:lnTo>
-                      <a:pt x="1580244" y="369640"/>
-                    </a:lnTo>
-                    <a:lnTo>
-                      <a:pt x="1590443" y="313408"/>
-                    </a:lnTo>
-                    <a:close/>
-                  </a:path>
-                </a:pathLst>
-              </a:custGeom>
-              <a:solidFill>
-                <a:srgbClr val="FFFFFF"/>
-              </a:solidFill>
-            </p:spPr>
-          </p:sp>
-          <p:sp>
-            <p:nvSpPr>
-              <p:cNvPr id="22" name="Freeform 22"/>
-              <p:cNvSpPr/>
-              <p:nvPr/>
-            </p:nvSpPr>
-            <p:spPr>
-              <a:xfrm>
-                <a:off x="2219266" y="4164142"/>
-                <a:ext cx="1611931" cy="3969994"/>
-              </a:xfrm>
-              <a:custGeom>
-                <a:avLst/>
-                <a:gdLst/>
-                <a:ahLst/>
-                <a:cxnLst/>
-                <a:rect l="l" t="t" r="r" b="b"/>
-                <a:pathLst>
-                  <a:path w="1611931" h="3969994">
-                    <a:moveTo>
-                      <a:pt x="127000" y="3906778"/>
-                    </a:moveTo>
-                    <a:cubicBezTo>
-                      <a:pt x="126843" y="3871819"/>
-                      <a:pt x="98459" y="3843561"/>
-                      <a:pt x="63500" y="3843561"/>
-                    </a:cubicBezTo>
-                    <a:cubicBezTo>
-                      <a:pt x="28540" y="3843561"/>
-                      <a:pt x="156" y="3871819"/>
-                      <a:pt x="0" y="3906778"/>
-                    </a:cubicBezTo>
-                    <a:cubicBezTo>
-                      <a:pt x="156" y="3941737"/>
-                      <a:pt x="28540" y="3969994"/>
-                      <a:pt x="63500" y="3969994"/>
-                    </a:cubicBezTo>
-                    <a:cubicBezTo>
-                      <a:pt x="98459" y="3969994"/>
-                      <a:pt x="126843" y="3941737"/>
-                      <a:pt x="127000" y="3906778"/>
-                    </a:cubicBezTo>
-                    <a:close/>
-                    <a:moveTo>
-                      <a:pt x="36912" y="3896306"/>
-                    </a:moveTo>
-                    <a:lnTo>
-                      <a:pt x="90087" y="3917249"/>
-                    </a:lnTo>
-                    <a:lnTo>
-                      <a:pt x="1611931" y="20943"/>
-                    </a:lnTo>
-                    <a:lnTo>
-                      <a:pt x="1558756" y="0"/>
-                    </a:lnTo>
-                    <a:close/>
-                  </a:path>
-                </a:pathLst>
-              </a:custGeom>
-              <a:solidFill>
-                <a:srgbClr val="FFFFFF"/>
-              </a:solidFill>
-            </p:spPr>
-          </p:sp>
-          <p:sp>
-            <p:nvSpPr>
-              <p:cNvPr id="23" name="Freeform 23"/>
-              <p:cNvSpPr/>
-              <p:nvPr/>
-            </p:nvSpPr>
-            <p:spPr>
-              <a:xfrm>
-                <a:off x="3741109" y="3038254"/>
-                <a:ext cx="1602123" cy="1199577"/>
-              </a:xfrm>
-              <a:custGeom>
-                <a:avLst/>
-                <a:gdLst/>
-                <a:ahLst/>
-                <a:cxnLst/>
-                <a:rect l="l" t="t" r="r" b="b"/>
-                <a:pathLst>
-                  <a:path w="1602123" h="1199577">
-                    <a:moveTo>
-                      <a:pt x="127000" y="1136360"/>
-                    </a:moveTo>
-                    <a:cubicBezTo>
-                      <a:pt x="126844" y="1101401"/>
-                      <a:pt x="98460" y="1073143"/>
-                      <a:pt x="63500" y="1073143"/>
-                    </a:cubicBezTo>
-                    <a:cubicBezTo>
-                      <a:pt x="28541" y="1073143"/>
-                      <a:pt x="156" y="1101401"/>
-                      <a:pt x="0" y="1136360"/>
-                    </a:cubicBezTo>
-                    <a:cubicBezTo>
-                      <a:pt x="156" y="1171319"/>
-                      <a:pt x="28541" y="1199576"/>
-                      <a:pt x="63500" y="1199576"/>
-                    </a:cubicBezTo>
-                    <a:cubicBezTo>
-                      <a:pt x="98460" y="1199576"/>
-                      <a:pt x="126844" y="1171319"/>
-                      <a:pt x="127000" y="1136360"/>
-                    </a:cubicBezTo>
-                    <a:close/>
-                    <a:moveTo>
-                      <a:pt x="46721" y="1113230"/>
-                    </a:moveTo>
-                    <a:lnTo>
-                      <a:pt x="80280" y="1159489"/>
-                    </a:lnTo>
-                    <a:lnTo>
-                      <a:pt x="1602123" y="46259"/>
-                    </a:lnTo>
-                    <a:lnTo>
-                      <a:pt x="1568565" y="0"/>
-                    </a:lnTo>
-                    <a:close/>
-                  </a:path>
-                </a:pathLst>
-              </a:custGeom>
-              <a:solidFill>
-                <a:srgbClr val="FFFFFF"/>
-              </a:solidFill>
-            </p:spPr>
-          </p:sp>
-          <p:sp>
-            <p:nvSpPr>
-              <p:cNvPr id="24" name="Freeform 24"/>
-              <p:cNvSpPr/>
-              <p:nvPr/>
-            </p:nvSpPr>
-            <p:spPr>
-              <a:xfrm>
-                <a:off x="5262953" y="2441552"/>
-                <a:ext cx="1648844" cy="683048"/>
-              </a:xfrm>
-              <a:custGeom>
-                <a:avLst/>
-                <a:gdLst/>
-                <a:ahLst/>
-                <a:cxnLst/>
-                <a:rect l="l" t="t" r="r" b="b"/>
-                <a:pathLst>
-                  <a:path w="1648844" h="683048">
-                    <a:moveTo>
-                      <a:pt x="127000" y="619831"/>
-                    </a:moveTo>
-                    <a:cubicBezTo>
-                      <a:pt x="126844" y="584872"/>
-                      <a:pt x="98460" y="556615"/>
-                      <a:pt x="63500" y="556615"/>
-                    </a:cubicBezTo>
-                    <a:cubicBezTo>
-                      <a:pt x="28541" y="556615"/>
-                      <a:pt x="156" y="584872"/>
-                      <a:pt x="0" y="619831"/>
-                    </a:cubicBezTo>
-                    <a:cubicBezTo>
-                      <a:pt x="156" y="654791"/>
-                      <a:pt x="28541" y="683048"/>
-                      <a:pt x="63500" y="683048"/>
-                    </a:cubicBezTo>
-                    <a:cubicBezTo>
-                      <a:pt x="98460" y="683048"/>
-                      <a:pt x="126844" y="654791"/>
-                      <a:pt x="127000" y="619831"/>
-                    </a:cubicBezTo>
-                    <a:close/>
-                    <a:moveTo>
-                      <a:pt x="53757" y="592969"/>
-                    </a:moveTo>
-                    <a:lnTo>
-                      <a:pt x="73244" y="646694"/>
-                    </a:lnTo>
-                    <a:lnTo>
-                      <a:pt x="1595087" y="90079"/>
-                    </a:lnTo>
-                    <a:lnTo>
-                      <a:pt x="1575600" y="36354"/>
-                    </a:lnTo>
-                    <a:close/>
-                    <a:moveTo>
-                      <a:pt x="1648844" y="63216"/>
-                    </a:moveTo>
-                    <a:cubicBezTo>
-                      <a:pt x="1648687" y="28257"/>
-                      <a:pt x="1620304" y="0"/>
-                      <a:pt x="1585344" y="0"/>
-                    </a:cubicBezTo>
-                    <a:cubicBezTo>
-                      <a:pt x="1550384" y="0"/>
-                      <a:pt x="1522000" y="28257"/>
-                      <a:pt x="1521844" y="63216"/>
-                    </a:cubicBezTo>
-                    <a:cubicBezTo>
-                      <a:pt x="1522000" y="98176"/>
-                      <a:pt x="1550384" y="126433"/>
-                      <a:pt x="1585344" y="126433"/>
-                    </a:cubicBezTo>
-                    <a:cubicBezTo>
-                      <a:pt x="1620304" y="126433"/>
-                      <a:pt x="1648687" y="98176"/>
-                      <a:pt x="1648844" y="63216"/>
-                    </a:cubicBezTo>
-                    <a:close/>
-                  </a:path>
-                </a:pathLst>
-              </a:custGeom>
-              <a:solidFill>
-                <a:srgbClr val="FFFFFF"/>
-              </a:solidFill>
-            </p:spPr>
-          </p:sp>
-          <p:sp>
-            <p:nvSpPr>
-              <p:cNvPr id="25" name="Freeform 25"/>
-              <p:cNvSpPr/>
-              <p:nvPr/>
-            </p:nvSpPr>
-            <p:spPr>
-              <a:xfrm>
-                <a:off x="697422" y="6668224"/>
-                <a:ext cx="1611650" cy="3692372"/>
-              </a:xfrm>
-              <a:custGeom>
-                <a:avLst/>
-                <a:gdLst/>
-                <a:ahLst/>
-                <a:cxnLst/>
-                <a:rect l="l" t="t" r="r" b="b"/>
-                <a:pathLst>
-                  <a:path w="1611650" h="3692372">
-                    <a:moveTo>
-                      <a:pt x="127000" y="3629156"/>
-                    </a:moveTo>
-                    <a:cubicBezTo>
-                      <a:pt x="126843" y="3594197"/>
-                      <a:pt x="98459" y="3565940"/>
-                      <a:pt x="63500" y="3565940"/>
-                    </a:cubicBezTo>
-                    <a:cubicBezTo>
-                      <a:pt x="28540" y="3565940"/>
-                      <a:pt x="156" y="3594197"/>
-                      <a:pt x="0" y="3629156"/>
-                    </a:cubicBezTo>
-                    <a:cubicBezTo>
-                      <a:pt x="156" y="3664115"/>
-                      <a:pt x="28540" y="3692372"/>
-                      <a:pt x="63500" y="3692372"/>
-                    </a:cubicBezTo>
-                    <a:cubicBezTo>
-                      <a:pt x="98459" y="3692372"/>
-                      <a:pt x="126843" y="3664115"/>
-                      <a:pt x="127000" y="3629156"/>
-                    </a:cubicBezTo>
-                    <a:close/>
-                    <a:moveTo>
-                      <a:pt x="37193" y="3617999"/>
-                    </a:moveTo>
-                    <a:lnTo>
-                      <a:pt x="89806" y="3640314"/>
-                    </a:lnTo>
-                    <a:lnTo>
-                      <a:pt x="1611650" y="22316"/>
-                    </a:lnTo>
-                    <a:lnTo>
-                      <a:pt x="1559037" y="0"/>
-                    </a:lnTo>
-                    <a:close/>
-                  </a:path>
-                </a:pathLst>
-              </a:custGeom>
-              <a:solidFill>
-                <a:srgbClr val="348DDB"/>
-              </a:solidFill>
-            </p:spPr>
-          </p:sp>
-          <p:sp>
-            <p:nvSpPr>
-              <p:cNvPr id="26" name="Freeform 26"/>
-              <p:cNvSpPr/>
-              <p:nvPr/>
-            </p:nvSpPr>
-            <p:spPr>
-              <a:xfrm>
-                <a:off x="2219266" y="5266676"/>
-                <a:ext cx="1604539" cy="1475922"/>
-              </a:xfrm>
-              <a:custGeom>
-                <a:avLst/>
-                <a:gdLst/>
-                <a:ahLst/>
-                <a:cxnLst/>
-                <a:rect l="l" t="t" r="r" b="b"/>
-                <a:pathLst>
-                  <a:path w="1604539" h="1475922">
-                    <a:moveTo>
-                      <a:pt x="127000" y="1412705"/>
-                    </a:moveTo>
-                    <a:cubicBezTo>
-                      <a:pt x="126843" y="1377746"/>
-                      <a:pt x="98459" y="1349489"/>
-                      <a:pt x="63500" y="1349489"/>
-                    </a:cubicBezTo>
-                    <a:cubicBezTo>
-                      <a:pt x="28540" y="1349489"/>
-                      <a:pt x="156" y="1377746"/>
-                      <a:pt x="0" y="1412705"/>
-                    </a:cubicBezTo>
-                    <a:cubicBezTo>
-                      <a:pt x="156" y="1447665"/>
-                      <a:pt x="28540" y="1475922"/>
-                      <a:pt x="63500" y="1475922"/>
-                    </a:cubicBezTo>
-                    <a:cubicBezTo>
-                      <a:pt x="98459" y="1475922"/>
-                      <a:pt x="126843" y="1447665"/>
-                      <a:pt x="127000" y="1412705"/>
-                    </a:cubicBezTo>
-                    <a:close/>
-                    <a:moveTo>
-                      <a:pt x="44304" y="1391538"/>
-                    </a:moveTo>
-                    <a:lnTo>
-                      <a:pt x="82695" y="1433874"/>
-                    </a:lnTo>
-                    <a:lnTo>
-                      <a:pt x="1604539" y="42336"/>
-                    </a:lnTo>
-                    <a:lnTo>
-                      <a:pt x="1566148" y="0"/>
-                    </a:lnTo>
-                    <a:close/>
-                  </a:path>
-                </a:pathLst>
-              </a:custGeom>
-              <a:solidFill>
-                <a:srgbClr val="348DDB"/>
-              </a:solidFill>
-            </p:spPr>
-          </p:sp>
-          <p:sp>
-            <p:nvSpPr>
-              <p:cNvPr id="27" name="Freeform 27"/>
-              <p:cNvSpPr/>
-              <p:nvPr/>
-            </p:nvSpPr>
-            <p:spPr>
-              <a:xfrm>
-                <a:off x="3741109" y="5224627"/>
-                <a:ext cx="1595088" cy="646694"/>
-              </a:xfrm>
-              <a:custGeom>
-                <a:avLst/>
-                <a:gdLst/>
-                <a:ahLst/>
-                <a:cxnLst/>
-                <a:rect l="l" t="t" r="r" b="b"/>
-                <a:pathLst>
-                  <a:path w="1595088" h="646694">
-                    <a:moveTo>
-                      <a:pt x="127000" y="63217"/>
-                    </a:moveTo>
-                    <a:cubicBezTo>
-                      <a:pt x="126844" y="28258"/>
-                      <a:pt x="98460" y="0"/>
-                      <a:pt x="63500" y="0"/>
-                    </a:cubicBezTo>
-                    <a:cubicBezTo>
-                      <a:pt x="28541" y="0"/>
-                      <a:pt x="156" y="28258"/>
-                      <a:pt x="0" y="63217"/>
-                    </a:cubicBezTo>
-                    <a:cubicBezTo>
-                      <a:pt x="156" y="98176"/>
-                      <a:pt x="28541" y="126434"/>
-                      <a:pt x="63500" y="126434"/>
-                    </a:cubicBezTo>
-                    <a:cubicBezTo>
-                      <a:pt x="98460" y="126434"/>
-                      <a:pt x="126844" y="98176"/>
-                      <a:pt x="127000" y="63217"/>
-                    </a:cubicBezTo>
-                    <a:close/>
-                    <a:moveTo>
-                      <a:pt x="73244" y="36355"/>
-                    </a:moveTo>
-                    <a:lnTo>
-                      <a:pt x="53757" y="90079"/>
-                    </a:lnTo>
-                    <a:lnTo>
-                      <a:pt x="1575601" y="646694"/>
-                    </a:lnTo>
-                    <a:lnTo>
-                      <a:pt x="1595088" y="592969"/>
-                    </a:lnTo>
-                    <a:close/>
-                  </a:path>
-                </a:pathLst>
-              </a:custGeom>
-              <a:solidFill>
-                <a:srgbClr val="348DDB"/>
-              </a:solidFill>
-            </p:spPr>
-          </p:sp>
-          <p:sp>
-            <p:nvSpPr>
-              <p:cNvPr id="28" name="Freeform 28"/>
-              <p:cNvSpPr/>
-              <p:nvPr/>
-            </p:nvSpPr>
-            <p:spPr>
-              <a:xfrm>
-                <a:off x="5262953" y="215091"/>
-                <a:ext cx="1648844" cy="5692585"/>
-              </a:xfrm>
-              <a:custGeom>
-                <a:avLst/>
-                <a:gdLst/>
-                <a:ahLst/>
-                <a:cxnLst/>
-                <a:rect l="l" t="t" r="r" b="b"/>
-                <a:pathLst>
-                  <a:path w="1648844" h="5692585">
-                    <a:moveTo>
-                      <a:pt x="127000" y="5629368"/>
-                    </a:moveTo>
-                    <a:cubicBezTo>
-                      <a:pt x="126844" y="5594409"/>
-                      <a:pt x="98460" y="5566151"/>
-                      <a:pt x="63500" y="5566151"/>
-                    </a:cubicBezTo>
-                    <a:cubicBezTo>
-                      <a:pt x="28541" y="5566151"/>
-                      <a:pt x="156" y="5594409"/>
-                      <a:pt x="0" y="5629368"/>
-                    </a:cubicBezTo>
-                    <a:cubicBezTo>
-                      <a:pt x="156" y="5664327"/>
-                      <a:pt x="28541" y="5692585"/>
-                      <a:pt x="63500" y="5692585"/>
-                    </a:cubicBezTo>
-                    <a:cubicBezTo>
-                      <a:pt x="98460" y="5692585"/>
-                      <a:pt x="126844" y="5664327"/>
-                      <a:pt x="127000" y="5629368"/>
-                    </a:cubicBezTo>
-                    <a:close/>
-                    <a:moveTo>
-                      <a:pt x="35953" y="5621774"/>
-                    </a:moveTo>
-                    <a:lnTo>
-                      <a:pt x="91047" y="5636963"/>
-                    </a:lnTo>
-                    <a:lnTo>
-                      <a:pt x="1612891" y="70811"/>
-                    </a:lnTo>
-                    <a:lnTo>
-                      <a:pt x="1557797" y="55622"/>
-                    </a:lnTo>
-                    <a:close/>
-                    <a:moveTo>
-                      <a:pt x="1648844" y="63217"/>
-                    </a:moveTo>
-                    <a:cubicBezTo>
-                      <a:pt x="1648687" y="28257"/>
-                      <a:pt x="1620304" y="0"/>
-                      <a:pt x="1585344" y="0"/>
-                    </a:cubicBezTo>
-                    <a:cubicBezTo>
-                      <a:pt x="1550384" y="0"/>
-                      <a:pt x="1522000" y="28257"/>
-                      <a:pt x="1521844" y="63217"/>
-                    </a:cubicBezTo>
-                    <a:cubicBezTo>
-                      <a:pt x="1522000" y="98176"/>
-                      <a:pt x="1550384" y="126433"/>
-                      <a:pt x="1585344" y="126433"/>
-                    </a:cubicBezTo>
-                    <a:cubicBezTo>
-                      <a:pt x="1620304" y="126433"/>
-                      <a:pt x="1648687" y="98176"/>
-                      <a:pt x="1648844" y="63217"/>
-                    </a:cubicBezTo>
-                    <a:close/>
-                  </a:path>
-                </a:pathLst>
-              </a:custGeom>
-              <a:solidFill>
-                <a:srgbClr val="348DDB"/>
-              </a:solidFill>
-            </p:spPr>
-          </p:sp>
-        </p:grpSp>
-      </p:grpSp>
-      <p:grpSp>
-        <p:nvGrpSpPr>
-          <p:cNvPr id="29" name="Group 29"/>
-          <p:cNvGrpSpPr/>
-          <p:nvPr/>
-        </p:nvGrpSpPr>
-        <p:grpSpPr>
-          <a:xfrm>
-            <a:off x="1028700" y="1028700"/>
-            <a:ext cx="9678920" cy="1616511"/>
-            <a:chOff x="0" y="0"/>
-            <a:chExt cx="12905226" cy="2155348"/>
-          </a:xfrm>
-        </p:grpSpPr>
-        <p:sp>
-          <p:nvSpPr>
-            <p:cNvPr id="30" name="AutoShape 30"/>
-            <p:cNvSpPr/>
-            <p:nvPr/>
-          </p:nvSpPr>
-          <p:spPr>
-            <a:xfrm>
-              <a:off x="0" y="2110160"/>
-              <a:ext cx="12634941" cy="45188"/>
-            </a:xfrm>
-            <a:prstGeom prst="rect">
-              <a:avLst/>
-            </a:prstGeom>
-            <a:solidFill>
-              <a:srgbClr val="FFFFFF"/>
-            </a:solidFill>
-          </p:spPr>
-        </p:sp>
-        <p:sp>
-          <p:nvSpPr>
-            <p:cNvPr id="31" name="TextBox 31"/>
-            <p:cNvSpPr txBox="1"/>
-            <p:nvPr/>
-          </p:nvSpPr>
-          <p:spPr>
-            <a:xfrm>
-              <a:off x="0" y="-142875"/>
-              <a:ext cx="12905226" cy="1666875"/>
-            </a:xfrm>
-            <a:prstGeom prst="rect">
-              <a:avLst/>
-            </a:prstGeom>
-          </p:spPr>
-          <p:txBody>
-            <a:bodyPr lIns="0" tIns="0" rIns="0" bIns="0" rtlCol="0" anchor="t">
-              <a:spAutoFit/>
-            </a:bodyPr>
-            <a:lstStyle/>
-            <a:p>
-              <a:pPr>
-                <a:lnSpc>
-                  <a:spcPts val="10500"/>
-                </a:lnSpc>
-              </a:pPr>
-              <a:r>
-                <a:rPr lang="en-US" sz="7500" spc="825">
-                  <a:solidFill>
-                    <a:srgbClr val="FFFFFF"/>
-                  </a:solidFill>
-                  <a:latin typeface="League Spartan Italics"/>
-                </a:rPr>
-                <a:t>TEXT HERE</a:t>
-              </a:r>
-            </a:p>
-          </p:txBody>
-        </p:sp>
-      </p:grpSp>
-      <p:sp>
-        <p:nvSpPr>
-          <p:cNvPr id="32" name="TextBox 32"/>
-          <p:cNvSpPr txBox="1"/>
-          <p:nvPr/>
-        </p:nvSpPr>
-        <p:spPr>
-          <a:xfrm>
-            <a:off x="594360" y="8222304"/>
-            <a:ext cx="10570261" cy="1504950"/>
-          </a:xfrm>
-          <a:prstGeom prst="rect">
-            <a:avLst/>
-          </a:prstGeom>
-        </p:spPr>
-        <p:txBody>
-          <a:bodyPr lIns="0" tIns="0" rIns="0" bIns="0" rtlCol="0" anchor="t">
-            <a:spAutoFit/>
-          </a:bodyPr>
-          <a:lstStyle/>
-          <a:p>
-            <a:pPr>
-              <a:lnSpc>
-                <a:spcPts val="4050"/>
-              </a:lnSpc>
-            </a:pPr>
-            <a:r>
-              <a:rPr lang="en-US" sz="2700" spc="313">
-                <a:solidFill>
-                  <a:srgbClr val="FFFFFF"/>
-                </a:solidFill>
-                <a:latin typeface="Fira Sans Medium"/>
-              </a:rPr>
-              <a:t>Lorem ipsum dolor sit amet, consectetur adipiscing elit, sed do eiusmod tempor incididunt ut labore et dolore magna aliqua.</a:t>
-            </a:r>
-          </a:p>
-        </p:txBody>
-      </p:sp>
-    </p:spTree>
-  </p:cSld>
-  <p:clrMapOvr>
-    <a:masterClrMapping/>
-  </p:clrMapOvr>
-</p:sld>
-</file>
-
-<file path=ppt/slides/slide18.xml><?xml version="1.0" encoding="utf-8"?>
-<p:sld xmlns:a="http://schemas.openxmlformats.org/drawingml/2006/main" xmlns:r="http://schemas.openxmlformats.org/officeDocument/2006/relationships" xmlns:p="http://schemas.openxmlformats.org/presentationml/2006/main">
-  <p:cSld>
-    <p:bg>
-      <p:bgPr>
-        <a:solidFill>
-          <a:srgbClr val="1E3653"/>
-        </a:solidFill>
-        <a:effectLst/>
-      </p:bgPr>
-    </p:bg>
-    <p:spTree>
-      <p:nvGrpSpPr>
-        <p:cNvPr id="1" name=""/>
-        <p:cNvGrpSpPr/>
-        <p:nvPr/>
-      </p:nvGrpSpPr>
-      <p:grpSpPr>
-        <a:xfrm>
-          <a:off x="0" y="0"/>
-          <a:ext cx="0" cy="0"/>
-          <a:chOff x="0" y="0"/>
-          <a:chExt cx="0" cy="0"/>
-        </a:xfrm>
-      </p:grpSpPr>
-      <p:sp>
-        <p:nvSpPr>
-          <p:cNvPr id="2" name="AutoShape 2"/>
-          <p:cNvSpPr/>
-          <p:nvPr/>
-        </p:nvSpPr>
-        <p:spPr>
-          <a:xfrm>
-            <a:off x="0" y="-243048"/>
-            <a:ext cx="10974042" cy="10773096"/>
-          </a:xfrm>
-          <a:prstGeom prst="rect">
-            <a:avLst/>
-          </a:prstGeom>
-          <a:solidFill>
-            <a:srgbClr val="348DDB"/>
-          </a:solidFill>
-        </p:spPr>
-      </p:sp>
-      <p:sp>
-        <p:nvSpPr>
-          <p:cNvPr id="3" name="TextBox 3"/>
-          <p:cNvSpPr txBox="1"/>
-          <p:nvPr/>
-        </p:nvSpPr>
-        <p:spPr>
-          <a:xfrm>
-            <a:off x="11833809" y="885825"/>
-            <a:ext cx="5425491" cy="3473450"/>
-          </a:xfrm>
-          <a:prstGeom prst="rect">
-            <a:avLst/>
-          </a:prstGeom>
-        </p:spPr>
-        <p:txBody>
-          <a:bodyPr lIns="0" tIns="0" rIns="0" bIns="0" rtlCol="0" anchor="t">
-            <a:spAutoFit/>
-          </a:bodyPr>
-          <a:lstStyle/>
-          <a:p>
-            <a:pPr algn="r">
-              <a:lnSpc>
-                <a:spcPts val="9295"/>
-              </a:lnSpc>
-            </a:pPr>
-            <a:r>
-              <a:rPr lang="en-US" sz="6500" spc="65">
-                <a:solidFill>
-                  <a:srgbClr val="348DDB"/>
-                </a:solidFill>
-                <a:latin typeface="League Spartan Italics"/>
-              </a:rPr>
-              <a:t>Lorem ipsum dolor sit amet</a:t>
-            </a:r>
-          </a:p>
-        </p:txBody>
-      </p:sp>
-      <p:grpSp>
-        <p:nvGrpSpPr>
-          <p:cNvPr id="4" name="Group 4"/>
-          <p:cNvGrpSpPr/>
-          <p:nvPr/>
-        </p:nvGrpSpPr>
-        <p:grpSpPr>
-          <a:xfrm>
-            <a:off x="1028700" y="1028700"/>
-            <a:ext cx="5212701" cy="3137489"/>
-            <a:chOff x="0" y="0"/>
-            <a:chExt cx="6950268" cy="4183318"/>
-          </a:xfrm>
-        </p:grpSpPr>
-        <p:sp>
-          <p:nvSpPr>
-            <p:cNvPr id="5" name="TextBox 5"/>
-            <p:cNvSpPr txBox="1"/>
-            <p:nvPr/>
-          </p:nvSpPr>
-          <p:spPr>
-            <a:xfrm>
-              <a:off x="0" y="-76200"/>
-              <a:ext cx="6950268" cy="1737331"/>
-            </a:xfrm>
-            <a:prstGeom prst="rect">
-              <a:avLst/>
-            </a:prstGeom>
-          </p:spPr>
-          <p:txBody>
-            <a:bodyPr lIns="0" tIns="0" rIns="0" bIns="0" rtlCol="0" anchor="t">
-              <a:spAutoFit/>
-            </a:bodyPr>
-            <a:lstStyle/>
-            <a:p>
-              <a:pPr>
-                <a:lnSpc>
-                  <a:spcPts val="5282"/>
-                </a:lnSpc>
-              </a:pPr>
-              <a:r>
-                <a:rPr lang="en-US" sz="3773" spc="565">
-                  <a:solidFill>
-                    <a:srgbClr val="1E3653"/>
-                  </a:solidFill>
-                  <a:latin typeface="Fira Sans Bold"/>
-                </a:rPr>
-                <a:t>ENHANCED PRODUCTIVITY</a:t>
-              </a:r>
-            </a:p>
-          </p:txBody>
-        </p:sp>
-        <p:sp>
-          <p:nvSpPr>
-            <p:cNvPr id="6" name="TextBox 6"/>
-            <p:cNvSpPr txBox="1"/>
-            <p:nvPr/>
-          </p:nvSpPr>
-          <p:spPr>
-            <a:xfrm>
-              <a:off x="0" y="2082165"/>
-              <a:ext cx="6950268" cy="2101154"/>
-            </a:xfrm>
-            <a:prstGeom prst="rect">
-              <a:avLst/>
-            </a:prstGeom>
-          </p:spPr>
-          <p:txBody>
-            <a:bodyPr lIns="0" tIns="0" rIns="0" bIns="0" rtlCol="0" anchor="t">
-              <a:spAutoFit/>
-            </a:bodyPr>
-            <a:lstStyle/>
-            <a:p>
-              <a:pPr>
-                <a:lnSpc>
-                  <a:spcPts val="4287"/>
-                </a:lnSpc>
-              </a:pPr>
-              <a:r>
-                <a:rPr lang="en-US" sz="2858" spc="148">
-                  <a:solidFill>
-                    <a:srgbClr val="FFFFFF"/>
-                  </a:solidFill>
-                  <a:latin typeface="Fira Sans Medium"/>
-                </a:rPr>
-                <a:t>Presentations are communication tools that can be used as lectures.</a:t>
-              </a:r>
-            </a:p>
-          </p:txBody>
-        </p:sp>
-      </p:grpSp>
-      <p:grpSp>
-        <p:nvGrpSpPr>
-          <p:cNvPr id="7" name="Group 7"/>
-          <p:cNvGrpSpPr/>
-          <p:nvPr/>
-        </p:nvGrpSpPr>
-        <p:grpSpPr>
-          <a:xfrm rot="2426251">
-            <a:off x="14755386" y="3699422"/>
-            <a:ext cx="3578760" cy="8513090"/>
-            <a:chOff x="0" y="0"/>
-            <a:chExt cx="4771680" cy="11350786"/>
-          </a:xfrm>
-        </p:grpSpPr>
-        <p:pic>
-          <p:nvPicPr>
-            <p:cNvPr id="8" name="Picture 8"/>
-            <p:cNvPicPr>
-              <a:picLocks noChangeAspect="1"/>
-            </p:cNvPicPr>
-            <p:nvPr/>
-          </p:nvPicPr>
-          <p:blipFill>
-            <a:blip r:embed="rId2"/>
-            <a:srcRect/>
-            <a:stretch>
-              <a:fillRect/>
-            </a:stretch>
-          </p:blipFill>
-          <p:spPr>
-            <a:xfrm>
-              <a:off x="0" y="6579106"/>
-              <a:ext cx="4771680" cy="4771680"/>
-            </a:xfrm>
-            <a:prstGeom prst="rect">
-              <a:avLst/>
-            </a:prstGeom>
-          </p:spPr>
-        </p:pic>
-        <p:pic>
-          <p:nvPicPr>
-            <p:cNvPr id="9" name="Picture 9"/>
-            <p:cNvPicPr>
-              <a:picLocks noChangeAspect="1"/>
-            </p:cNvPicPr>
-            <p:nvPr/>
-          </p:nvPicPr>
-          <p:blipFill>
-            <a:blip r:embed="rId3"/>
-            <a:srcRect/>
-            <a:stretch>
-              <a:fillRect/>
-            </a:stretch>
-          </p:blipFill>
-          <p:spPr>
-            <a:xfrm>
-              <a:off x="0" y="3291575"/>
-              <a:ext cx="4771680" cy="4771680"/>
-            </a:xfrm>
-            <a:prstGeom prst="rect">
-              <a:avLst/>
-            </a:prstGeom>
-          </p:spPr>
-        </p:pic>
-        <p:pic>
-          <p:nvPicPr>
-            <p:cNvPr id="10" name="Picture 10"/>
-            <p:cNvPicPr>
-              <a:picLocks noChangeAspect="1"/>
-            </p:cNvPicPr>
-            <p:nvPr/>
-          </p:nvPicPr>
-          <p:blipFill>
-            <a:blip r:embed="rId2"/>
-            <a:srcRect/>
-            <a:stretch>
-              <a:fillRect/>
-            </a:stretch>
-          </p:blipFill>
-          <p:spPr>
-            <a:xfrm>
-              <a:off x="0" y="0"/>
-              <a:ext cx="4771680" cy="4771680"/>
-            </a:xfrm>
-            <a:prstGeom prst="rect">
-              <a:avLst/>
-            </a:prstGeom>
-          </p:spPr>
-        </p:pic>
-      </p:grpSp>
-    </p:spTree>
-  </p:cSld>
-  <p:clrMapOvr>
-    <a:masterClrMapping/>
-  </p:clrMapOvr>
-</p:sld>
-</file>
-
-<file path=ppt/slides/slide19.xml><?xml version="1.0" encoding="utf-8"?>
-<p:sld xmlns:a="http://schemas.openxmlformats.org/drawingml/2006/main" xmlns:r="http://schemas.openxmlformats.org/officeDocument/2006/relationships" xmlns:p="http://schemas.openxmlformats.org/presentationml/2006/main">
-  <p:cSld>
-    <p:bg>
-      <p:bgPr>
-        <a:solidFill>
-          <a:srgbClr val="348DDB"/>
-        </a:solidFill>
-        <a:effectLst/>
-      </p:bgPr>
-    </p:bg>
-    <p:spTree>
-      <p:nvGrpSpPr>
-        <p:cNvPr id="1" name=""/>
-        <p:cNvGrpSpPr/>
-        <p:nvPr/>
-      </p:nvGrpSpPr>
-      <p:grpSpPr>
-        <a:xfrm>
-          <a:off x="0" y="0"/>
-          <a:ext cx="0" cy="0"/>
-          <a:chOff x="0" y="0"/>
-          <a:chExt cx="0" cy="0"/>
-        </a:xfrm>
-      </p:grpSpPr>
-      <p:sp>
-        <p:nvSpPr>
-          <p:cNvPr id="2" name="AutoShape 2"/>
-          <p:cNvSpPr/>
-          <p:nvPr/>
-        </p:nvSpPr>
-        <p:spPr>
-          <a:xfrm>
-            <a:off x="-66554" y="-186526"/>
-            <a:ext cx="7300104" cy="10660052"/>
-          </a:xfrm>
-          <a:prstGeom prst="rect">
-            <a:avLst/>
-          </a:prstGeom>
-          <a:solidFill>
-            <a:srgbClr val="1E3653"/>
-          </a:solidFill>
-        </p:spPr>
-      </p:sp>
-      <p:pic>
-        <p:nvPicPr>
-          <p:cNvPr id="3" name="Picture 3"/>
-          <p:cNvPicPr>
-            <a:picLocks noChangeAspect="1"/>
-          </p:cNvPicPr>
-          <p:nvPr/>
-        </p:nvPicPr>
-        <p:blipFill>
-          <a:blip r:embed="rId2"/>
-          <a:srcRect/>
-          <a:stretch>
-            <a:fillRect/>
-          </a:stretch>
-        </p:blipFill>
-        <p:spPr>
-          <a:xfrm rot="-5400000">
-            <a:off x="-1009944" y="4951167"/>
-            <a:ext cx="4077287" cy="885354"/>
-          </a:xfrm>
-          <a:prstGeom prst="rect">
-            <a:avLst/>
-          </a:prstGeom>
-        </p:spPr>
-      </p:pic>
-      <p:grpSp>
-        <p:nvGrpSpPr>
-          <p:cNvPr id="4" name="Group 4"/>
-          <p:cNvGrpSpPr>
-            <a:grpSpLocks noChangeAspect="1"/>
-          </p:cNvGrpSpPr>
-          <p:nvPr/>
-        </p:nvGrpSpPr>
-        <p:grpSpPr>
-          <a:xfrm>
-            <a:off x="1785470" y="1765603"/>
-            <a:ext cx="11778130" cy="6959297"/>
-            <a:chOff x="0" y="0"/>
-            <a:chExt cx="7981950" cy="4716263"/>
-          </a:xfrm>
-        </p:grpSpPr>
-        <p:sp>
-          <p:nvSpPr>
-            <p:cNvPr id="9" name="Freeform 9"/>
-            <p:cNvSpPr/>
-            <p:nvPr/>
-          </p:nvSpPr>
-          <p:spPr>
-            <a:xfrm>
-              <a:off x="87302" y="0"/>
-              <a:ext cx="7791368" cy="4716263"/>
-            </a:xfrm>
-            <a:custGeom>
-              <a:avLst/>
-              <a:gdLst/>
-              <a:ahLst/>
-              <a:cxnLst/>
-              <a:rect l="l" t="t" r="r" b="b"/>
-              <a:pathLst>
-                <a:path w="6055360" h="3789680">
-                  <a:moveTo>
-                    <a:pt x="0" y="0"/>
-                  </a:moveTo>
-                  <a:lnTo>
-                    <a:pt x="6055360" y="0"/>
-                  </a:lnTo>
-                  <a:lnTo>
-                    <a:pt x="6055360" y="3789680"/>
-                  </a:lnTo>
-                  <a:lnTo>
-                    <a:pt x="0" y="3789680"/>
-                  </a:lnTo>
-                  <a:close/>
-                </a:path>
-              </a:pathLst>
-            </a:custGeom>
-            <a:blipFill>
-              <a:blip r:embed="rId3"/>
-              <a:stretch>
-                <a:fillRect l="10906" t="6047" r="10533" b="11178"/>
-              </a:stretch>
-            </a:blipFill>
-          </p:spPr>
-        </p:sp>
-        <p:sp>
-          <p:nvSpPr>
-            <p:cNvPr id="5" name="Freeform 5"/>
-            <p:cNvSpPr/>
-            <p:nvPr/>
-          </p:nvSpPr>
-          <p:spPr>
-            <a:xfrm>
-              <a:off x="765810" y="21590"/>
-              <a:ext cx="6451600" cy="4326890"/>
-            </a:xfrm>
-            <a:custGeom>
-              <a:avLst/>
-              <a:gdLst/>
-              <a:ahLst/>
-              <a:cxnLst/>
-              <a:rect l="l" t="t" r="r" b="b"/>
-              <a:pathLst>
-                <a:path w="6451600" h="4326890">
-                  <a:moveTo>
-                    <a:pt x="6224270" y="0"/>
-                  </a:moveTo>
-                  <a:lnTo>
-                    <a:pt x="226060" y="0"/>
-                  </a:lnTo>
-                  <a:cubicBezTo>
-                    <a:pt x="101600" y="0"/>
-                    <a:pt x="0" y="101600"/>
-                    <a:pt x="0" y="226060"/>
-                  </a:cubicBezTo>
-                  <a:lnTo>
-                    <a:pt x="0" y="4326890"/>
-                  </a:lnTo>
-                  <a:lnTo>
-                    <a:pt x="6451601" y="4326890"/>
-                  </a:lnTo>
-                  <a:lnTo>
-                    <a:pt x="6451601" y="226060"/>
-                  </a:lnTo>
-                  <a:cubicBezTo>
-                    <a:pt x="6450331" y="101600"/>
-                    <a:pt x="6348731" y="0"/>
-                    <a:pt x="6224270" y="0"/>
-                  </a:cubicBezTo>
-                  <a:close/>
-                  <a:moveTo>
-                    <a:pt x="6252210" y="4043680"/>
-                  </a:moveTo>
-                  <a:lnTo>
-                    <a:pt x="196851" y="4043680"/>
-                  </a:lnTo>
-                  <a:lnTo>
-                    <a:pt x="196851" y="255270"/>
-                  </a:lnTo>
-                  <a:lnTo>
-                    <a:pt x="6252210" y="255270"/>
-                  </a:lnTo>
-                  <a:lnTo>
-                    <a:pt x="6252210" y="4043680"/>
-                  </a:lnTo>
-                  <a:close/>
-                </a:path>
-              </a:pathLst>
-            </a:custGeom>
-            <a:solidFill>
-              <a:srgbClr val="000000"/>
-            </a:solidFill>
-          </p:spPr>
-        </p:sp>
-        <p:sp>
-          <p:nvSpPr>
-            <p:cNvPr id="6" name="Freeform 6"/>
-            <p:cNvSpPr/>
-            <p:nvPr/>
-          </p:nvSpPr>
-          <p:spPr>
-            <a:xfrm>
-              <a:off x="0" y="0"/>
-              <a:ext cx="7981950" cy="4542790"/>
-            </a:xfrm>
-            <a:custGeom>
-              <a:avLst/>
-              <a:gdLst/>
-              <a:ahLst/>
-              <a:cxnLst/>
-              <a:rect l="l" t="t" r="r" b="b"/>
-              <a:pathLst>
-                <a:path w="7981950" h="4542790">
-                  <a:moveTo>
-                    <a:pt x="7239000" y="4348480"/>
-                  </a:moveTo>
-                  <a:lnTo>
-                    <a:pt x="7239000" y="243840"/>
-                  </a:lnTo>
-                  <a:cubicBezTo>
-                    <a:pt x="7239000" y="109220"/>
-                    <a:pt x="7129780" y="0"/>
-                    <a:pt x="6995160" y="0"/>
-                  </a:cubicBezTo>
-                  <a:lnTo>
-                    <a:pt x="985520" y="0"/>
-                  </a:lnTo>
-                  <a:cubicBezTo>
-                    <a:pt x="852170" y="0"/>
-                    <a:pt x="742950" y="109220"/>
-                    <a:pt x="742950" y="243840"/>
-                  </a:cubicBezTo>
-                  <a:lnTo>
-                    <a:pt x="742950" y="4349750"/>
-                  </a:lnTo>
-                  <a:lnTo>
-                    <a:pt x="0" y="4349750"/>
-                  </a:lnTo>
-                  <a:lnTo>
-                    <a:pt x="0" y="4447540"/>
-                  </a:lnTo>
-                  <a:cubicBezTo>
-                    <a:pt x="0" y="4500880"/>
-                    <a:pt x="43180" y="4542790"/>
-                    <a:pt x="95250" y="4542790"/>
-                  </a:cubicBezTo>
-                  <a:lnTo>
-                    <a:pt x="7886700" y="4542790"/>
-                  </a:lnTo>
-                  <a:cubicBezTo>
-                    <a:pt x="7940040" y="4542790"/>
-                    <a:pt x="7981950" y="4499610"/>
-                    <a:pt x="7981950" y="4447540"/>
-                  </a:cubicBezTo>
-                  <a:lnTo>
-                    <a:pt x="7981950" y="4349750"/>
-                  </a:lnTo>
-                  <a:lnTo>
-                    <a:pt x="7239000" y="4349750"/>
-                  </a:lnTo>
-                  <a:close/>
-                  <a:moveTo>
-                    <a:pt x="4519930" y="4348480"/>
-                  </a:moveTo>
-                  <a:lnTo>
-                    <a:pt x="4519930" y="4349750"/>
-                  </a:lnTo>
-                  <a:cubicBezTo>
-                    <a:pt x="4519930" y="4403090"/>
-                    <a:pt x="4476750" y="4445000"/>
-                    <a:pt x="4424680" y="4445000"/>
-                  </a:cubicBezTo>
-                  <a:lnTo>
-                    <a:pt x="3557270" y="4445000"/>
-                  </a:lnTo>
-                  <a:cubicBezTo>
-                    <a:pt x="3503930" y="4445000"/>
-                    <a:pt x="3462020" y="4401820"/>
-                    <a:pt x="3462020" y="4349750"/>
-                  </a:cubicBezTo>
-                  <a:lnTo>
-                    <a:pt x="3462020" y="4348480"/>
-                  </a:lnTo>
-                  <a:lnTo>
-                    <a:pt x="765810" y="4348480"/>
-                  </a:lnTo>
-                  <a:lnTo>
-                    <a:pt x="765810" y="247650"/>
-                  </a:lnTo>
-                  <a:cubicBezTo>
-                    <a:pt x="765810" y="123190"/>
-                    <a:pt x="867410" y="21590"/>
-                    <a:pt x="991870" y="21590"/>
-                  </a:cubicBezTo>
-                  <a:lnTo>
-                    <a:pt x="6990080" y="21590"/>
-                  </a:lnTo>
-                  <a:cubicBezTo>
-                    <a:pt x="7114539" y="21590"/>
-                    <a:pt x="7216139" y="123190"/>
-                    <a:pt x="7216139" y="247650"/>
-                  </a:cubicBezTo>
-                  <a:lnTo>
-                    <a:pt x="7216139" y="4348480"/>
-                  </a:lnTo>
-                  <a:lnTo>
-                    <a:pt x="4519930" y="4348480"/>
-                  </a:lnTo>
-                  <a:close/>
-                </a:path>
-              </a:pathLst>
-            </a:custGeom>
-            <a:solidFill>
-              <a:srgbClr val="E9E9E9"/>
-            </a:solidFill>
-          </p:spPr>
-        </p:sp>
-        <p:sp>
-          <p:nvSpPr>
-            <p:cNvPr id="7" name="Freeform 7"/>
-            <p:cNvSpPr/>
-            <p:nvPr/>
-          </p:nvSpPr>
-          <p:spPr>
-            <a:xfrm>
-              <a:off x="3460750" y="4349750"/>
-              <a:ext cx="1059180" cy="96520"/>
-            </a:xfrm>
-            <a:custGeom>
-              <a:avLst/>
-              <a:gdLst/>
-              <a:ahLst/>
-              <a:cxnLst/>
-              <a:rect l="l" t="t" r="r" b="b"/>
-              <a:pathLst>
-                <a:path w="1059180" h="96520">
-                  <a:moveTo>
-                    <a:pt x="96520" y="96520"/>
-                  </a:moveTo>
-                  <a:lnTo>
-                    <a:pt x="963930" y="96520"/>
-                  </a:lnTo>
-                  <a:cubicBezTo>
-                    <a:pt x="1017270" y="96520"/>
-                    <a:pt x="1059180" y="53340"/>
-                    <a:pt x="1059180" y="1270"/>
-                  </a:cubicBezTo>
-                  <a:lnTo>
-                    <a:pt x="1059180" y="0"/>
-                  </a:lnTo>
-                  <a:lnTo>
-                    <a:pt x="0" y="0"/>
-                  </a:lnTo>
-                  <a:lnTo>
-                    <a:pt x="0" y="1270"/>
-                  </a:lnTo>
-                  <a:cubicBezTo>
-                    <a:pt x="0" y="53340"/>
-                    <a:pt x="43180" y="96520"/>
-                    <a:pt x="96520" y="96520"/>
-                  </a:cubicBezTo>
-                  <a:close/>
-                </a:path>
-              </a:pathLst>
-            </a:custGeom>
-            <a:solidFill>
-              <a:srgbClr val="CCCCCC"/>
-            </a:solidFill>
-          </p:spPr>
-        </p:sp>
-        <p:sp>
-          <p:nvSpPr>
-            <p:cNvPr id="8" name="Freeform 8"/>
-            <p:cNvSpPr/>
-            <p:nvPr/>
-          </p:nvSpPr>
-          <p:spPr>
-            <a:xfrm>
-              <a:off x="163830" y="4542790"/>
-              <a:ext cx="7654290" cy="35560"/>
-            </a:xfrm>
-            <a:custGeom>
-              <a:avLst/>
-              <a:gdLst/>
-              <a:ahLst/>
-              <a:cxnLst/>
-              <a:rect l="l" t="t" r="r" b="b"/>
-              <a:pathLst>
-                <a:path w="7654290" h="35560">
-                  <a:moveTo>
-                    <a:pt x="0" y="0"/>
-                  </a:moveTo>
-                  <a:cubicBezTo>
-                    <a:pt x="0" y="20320"/>
-                    <a:pt x="16510" y="35560"/>
-                    <a:pt x="35560" y="35560"/>
-                  </a:cubicBezTo>
-                  <a:lnTo>
-                    <a:pt x="7618730" y="35560"/>
-                  </a:lnTo>
-                  <a:cubicBezTo>
-                    <a:pt x="7639050" y="35560"/>
-                    <a:pt x="7654290" y="19050"/>
-                    <a:pt x="7654290" y="0"/>
-                  </a:cubicBezTo>
-                  <a:lnTo>
-                    <a:pt x="0" y="0"/>
-                  </a:lnTo>
-                  <a:close/>
-                </a:path>
-              </a:pathLst>
-            </a:custGeom>
-            <a:solidFill>
-              <a:srgbClr val="CCCCCC"/>
-            </a:solidFill>
-          </p:spPr>
-        </p:sp>
-      </p:grpSp>
-      <p:sp>
-        <p:nvSpPr>
-          <p:cNvPr id="10" name="TextBox 10"/>
-          <p:cNvSpPr txBox="1"/>
-          <p:nvPr/>
-        </p:nvSpPr>
-        <p:spPr>
-          <a:xfrm>
-            <a:off x="13218601" y="3962400"/>
-            <a:ext cx="4040699" cy="3413370"/>
-          </a:xfrm>
-          <a:prstGeom prst="rect">
-            <a:avLst/>
-          </a:prstGeom>
-        </p:spPr>
-        <p:txBody>
-          <a:bodyPr lIns="0" tIns="0" rIns="0" bIns="0" rtlCol="0" anchor="t">
-            <a:spAutoFit/>
-          </a:bodyPr>
-          <a:lstStyle/>
-          <a:p>
-            <a:pPr>
-              <a:lnSpc>
-                <a:spcPts val="4500"/>
-              </a:lnSpc>
-            </a:pPr>
-            <a:r>
-              <a:rPr lang="en-PH" sz="2800" dirty="0">
-                <a:solidFill>
-                  <a:schemeClr val="bg1"/>
-                </a:solidFill>
-                <a:latin typeface="Fira Sans" panose="020B0503050000020004" pitchFamily="34" charset="0"/>
-              </a:rPr>
-              <a:t>Lorem ipsum dolor sit </a:t>
-            </a:r>
-            <a:r>
-              <a:rPr lang="en-PH" sz="2800" dirty="0" err="1">
-                <a:solidFill>
-                  <a:schemeClr val="bg1"/>
-                </a:solidFill>
-                <a:latin typeface="Fira Sans" panose="020B0503050000020004" pitchFamily="34" charset="0"/>
-              </a:rPr>
-              <a:t>amet</a:t>
-            </a:r>
-            <a:r>
-              <a:rPr lang="en-PH" sz="2800" dirty="0">
-                <a:solidFill>
-                  <a:schemeClr val="bg1"/>
-                </a:solidFill>
-                <a:latin typeface="Fira Sans" panose="020B0503050000020004" pitchFamily="34" charset="0"/>
-              </a:rPr>
-              <a:t>, </a:t>
-            </a:r>
-            <a:r>
-              <a:rPr lang="en-PH" sz="2800" dirty="0" err="1">
-                <a:solidFill>
-                  <a:schemeClr val="bg1"/>
-                </a:solidFill>
-                <a:latin typeface="Fira Sans" panose="020B0503050000020004" pitchFamily="34" charset="0"/>
-              </a:rPr>
-              <a:t>consectetur</a:t>
-            </a:r>
-            <a:r>
-              <a:rPr lang="en-PH" sz="2800" dirty="0">
-                <a:solidFill>
-                  <a:schemeClr val="bg1"/>
-                </a:solidFill>
-                <a:latin typeface="Fira Sans" panose="020B0503050000020004" pitchFamily="34" charset="0"/>
-              </a:rPr>
-              <a:t> </a:t>
-            </a:r>
-            <a:r>
-              <a:rPr lang="en-PH" sz="2800" dirty="0" err="1">
-                <a:solidFill>
-                  <a:schemeClr val="bg1"/>
-                </a:solidFill>
-                <a:latin typeface="Fira Sans" panose="020B0503050000020004" pitchFamily="34" charset="0"/>
-              </a:rPr>
-              <a:t>adipiscing</a:t>
-            </a:r>
-            <a:r>
-              <a:rPr lang="en-PH" sz="2800" dirty="0">
-                <a:solidFill>
-                  <a:schemeClr val="bg1"/>
-                </a:solidFill>
-                <a:latin typeface="Fira Sans" panose="020B0503050000020004" pitchFamily="34" charset="0"/>
-              </a:rPr>
-              <a:t> </a:t>
-            </a:r>
-            <a:r>
-              <a:rPr lang="en-PH" sz="2800" dirty="0" err="1">
-                <a:solidFill>
-                  <a:schemeClr val="bg1"/>
-                </a:solidFill>
-                <a:latin typeface="Fira Sans" panose="020B0503050000020004" pitchFamily="34" charset="0"/>
-              </a:rPr>
-              <a:t>elit</a:t>
-            </a:r>
-            <a:r>
-              <a:rPr lang="en-PH" sz="2800" dirty="0">
-                <a:solidFill>
-                  <a:schemeClr val="bg1"/>
-                </a:solidFill>
-                <a:latin typeface="Fira Sans" panose="020B0503050000020004" pitchFamily="34" charset="0"/>
-              </a:rPr>
-              <a:t>, </a:t>
-            </a:r>
-            <a:r>
-              <a:rPr lang="en-PH" sz="2800" dirty="0" err="1">
-                <a:solidFill>
-                  <a:schemeClr val="bg1"/>
-                </a:solidFill>
-                <a:latin typeface="Fira Sans" panose="020B0503050000020004" pitchFamily="34" charset="0"/>
-              </a:rPr>
-              <a:t>sed</a:t>
-            </a:r>
-            <a:r>
-              <a:rPr lang="en-PH" sz="2800" dirty="0">
-                <a:solidFill>
-                  <a:schemeClr val="bg1"/>
-                </a:solidFill>
-                <a:latin typeface="Fira Sans" panose="020B0503050000020004" pitchFamily="34" charset="0"/>
-              </a:rPr>
-              <a:t> do </a:t>
-            </a:r>
-            <a:r>
-              <a:rPr lang="en-PH" sz="2800" dirty="0" err="1">
-                <a:solidFill>
-                  <a:schemeClr val="bg1"/>
-                </a:solidFill>
-                <a:latin typeface="Fira Sans" panose="020B0503050000020004" pitchFamily="34" charset="0"/>
-              </a:rPr>
-              <a:t>eiusmod</a:t>
-            </a:r>
-            <a:r>
-              <a:rPr lang="en-PH" sz="2800" dirty="0">
-                <a:solidFill>
-                  <a:schemeClr val="bg1"/>
-                </a:solidFill>
-                <a:latin typeface="Fira Sans" panose="020B0503050000020004" pitchFamily="34" charset="0"/>
-              </a:rPr>
-              <a:t> </a:t>
-            </a:r>
-            <a:r>
-              <a:rPr lang="en-PH" sz="2800" dirty="0" err="1">
-                <a:solidFill>
-                  <a:schemeClr val="bg1"/>
-                </a:solidFill>
-                <a:latin typeface="Fira Sans" panose="020B0503050000020004" pitchFamily="34" charset="0"/>
-              </a:rPr>
-              <a:t>tempor</a:t>
-            </a:r>
-            <a:r>
-              <a:rPr lang="en-PH" sz="2800" dirty="0">
-                <a:solidFill>
-                  <a:schemeClr val="bg1"/>
-                </a:solidFill>
-                <a:latin typeface="Fira Sans" panose="020B0503050000020004" pitchFamily="34" charset="0"/>
-              </a:rPr>
-              <a:t> </a:t>
-            </a:r>
-            <a:r>
-              <a:rPr lang="en-PH" sz="2800" dirty="0" err="1">
-                <a:solidFill>
-                  <a:schemeClr val="bg1"/>
-                </a:solidFill>
-                <a:latin typeface="Fira Sans" panose="020B0503050000020004" pitchFamily="34" charset="0"/>
-              </a:rPr>
-              <a:t>incididunt</a:t>
-            </a:r>
-            <a:r>
-              <a:rPr lang="en-PH" sz="2800" dirty="0">
-                <a:solidFill>
-                  <a:schemeClr val="bg1"/>
-                </a:solidFill>
-                <a:latin typeface="Fira Sans" panose="020B0503050000020004" pitchFamily="34" charset="0"/>
-              </a:rPr>
-              <a:t> </a:t>
-            </a:r>
-            <a:r>
-              <a:rPr lang="en-PH" sz="2800" dirty="0" err="1">
-                <a:solidFill>
-                  <a:schemeClr val="bg1"/>
-                </a:solidFill>
-                <a:latin typeface="Fira Sans" panose="020B0503050000020004" pitchFamily="34" charset="0"/>
-              </a:rPr>
-              <a:t>ut</a:t>
-            </a:r>
-            <a:r>
-              <a:rPr lang="en-PH" sz="2800" dirty="0">
-                <a:solidFill>
-                  <a:schemeClr val="bg1"/>
-                </a:solidFill>
-                <a:latin typeface="Fira Sans" panose="020B0503050000020004" pitchFamily="34" charset="0"/>
-              </a:rPr>
-              <a:t> </a:t>
-            </a:r>
-            <a:r>
-              <a:rPr lang="en-PH" sz="2800" dirty="0" err="1">
-                <a:solidFill>
-                  <a:schemeClr val="bg1"/>
-                </a:solidFill>
-                <a:latin typeface="Fira Sans" panose="020B0503050000020004" pitchFamily="34" charset="0"/>
-              </a:rPr>
-              <a:t>labore</a:t>
-            </a:r>
-            <a:r>
-              <a:rPr lang="en-PH" sz="2800" dirty="0">
-                <a:solidFill>
-                  <a:schemeClr val="bg1"/>
-                </a:solidFill>
-                <a:latin typeface="Fira Sans" panose="020B0503050000020004" pitchFamily="34" charset="0"/>
-              </a:rPr>
-              <a:t> et </a:t>
-            </a:r>
-            <a:r>
-              <a:rPr lang="en-PH" sz="2800" dirty="0" err="1">
-                <a:solidFill>
-                  <a:schemeClr val="bg1"/>
-                </a:solidFill>
-                <a:latin typeface="Fira Sans" panose="020B0503050000020004" pitchFamily="34" charset="0"/>
-              </a:rPr>
-              <a:t>dolore</a:t>
-            </a:r>
-            <a:endParaRPr lang="en-US" sz="2800" spc="30" dirty="0">
-              <a:solidFill>
-                <a:schemeClr val="bg1"/>
-              </a:solidFill>
-              <a:latin typeface="Fira Sans" panose="020B0503050000020004" pitchFamily="34" charset="0"/>
-            </a:endParaRPr>
-          </a:p>
-        </p:txBody>
-      </p:sp>
     </p:spTree>
   </p:cSld>
   <p:clrMapOvr>
@@ -8528,7 +6357,7 @@
         <p:spPr>
           <a:xfrm>
             <a:off x="762000" y="2400300"/>
-            <a:ext cx="9296400" cy="4832092"/>
+            <a:ext cx="9296400" cy="2800767"/>
           </a:xfrm>
           <a:prstGeom prst="rect">
             <a:avLst/>
@@ -8549,7 +6378,7 @@
               <a:rPr lang="en-US" sz="4400" dirty="0">
                 <a:latin typeface="Fira Sans Medium" panose="020B0603050000020004" pitchFamily="34" charset="0"/>
               </a:rPr>
-              <a:t>Situate R in the analytics &amp; BI stack</a:t>
+              <a:t>Situate R &amp; Power BI in the analytics &amp; BI stack</a:t>
             </a:r>
           </a:p>
           <a:p>
@@ -8561,43 +6390,7 @@
               <a:rPr lang="en-US" sz="4400" dirty="0">
                 <a:latin typeface="Fira Sans Medium" panose="020B0603050000020004" pitchFamily="34" charset="0"/>
               </a:rPr>
-              <a:t>Download &amp; install R &amp; RStudio</a:t>
-            </a:r>
-          </a:p>
-          <a:p>
-            <a:pPr marL="285750" indent="-285750">
-              <a:buFont typeface="Arial" panose="020B0604020202020204" pitchFamily="34" charset="0"/>
-              <a:buChar char="•"/>
-            </a:pPr>
-            <a:r>
-              <a:rPr lang="en-US" sz="4400" dirty="0">
-                <a:latin typeface="Fira Sans Medium" panose="020B0603050000020004" pitchFamily="34" charset="0"/>
-              </a:rPr>
-              <a:t>Perform basic R programming, analysis and visualization</a:t>
-            </a:r>
-          </a:p>
-          <a:p>
-            <a:pPr marL="285750" indent="-285750">
-              <a:buFont typeface="Arial" panose="020B0604020202020204" pitchFamily="34" charset="0"/>
-              <a:buChar char="•"/>
-            </a:pPr>
-            <a:r>
-              <a:rPr lang="en-US" sz="4400" dirty="0">
-                <a:latin typeface="Fira Sans Medium" panose="020B0603050000020004" pitchFamily="34" charset="0"/>
-              </a:rPr>
-              <a:t>Build R into a Power BI report</a:t>
-            </a:r>
-          </a:p>
-          <a:p>
-            <a:pPr marL="285750" indent="-285750">
-              <a:buFont typeface="Arial" panose="020B0604020202020204" pitchFamily="34" charset="0"/>
-              <a:buChar char="•"/>
-            </a:pPr>
-            <a:r>
-              <a:rPr lang="en-US" sz="4400" dirty="0">
-                <a:latin typeface="Fira Sans Medium" panose="020B0603050000020004" pitchFamily="34" charset="0"/>
-              </a:rPr>
-              <a:t>Basic R programming and analysis</a:t>
+              <a:t>Locate the three places where R can work with Power BI</a:t>
             </a:r>
           </a:p>
         </p:txBody>
@@ -10372,418 +8165,6 @@
 <file path=ppt/slides/slide8.xml><?xml version="1.0" encoding="utf-8"?>
 <p:sld xmlns:a="http://schemas.openxmlformats.org/drawingml/2006/main" xmlns:r="http://schemas.openxmlformats.org/officeDocument/2006/relationships" xmlns:p="http://schemas.openxmlformats.org/presentationml/2006/main">
   <p:cSld>
-    <p:spTree>
-      <p:nvGrpSpPr>
-        <p:cNvPr id="1" name=""/>
-        <p:cNvGrpSpPr/>
-        <p:nvPr/>
-      </p:nvGrpSpPr>
-      <p:grpSpPr>
-        <a:xfrm>
-          <a:off x="0" y="0"/>
-          <a:ext cx="0" cy="0"/>
-          <a:chOff x="0" y="0"/>
-          <a:chExt cx="0" cy="0"/>
-        </a:xfrm>
-      </p:grpSpPr>
-      <p:sp>
-        <p:nvSpPr>
-          <p:cNvPr id="2" name="AutoShape 2"/>
-          <p:cNvSpPr/>
-          <p:nvPr/>
-        </p:nvSpPr>
-        <p:spPr>
-          <a:xfrm>
-            <a:off x="0" y="0"/>
-            <a:ext cx="18288000" cy="1910300"/>
-          </a:xfrm>
-          <a:prstGeom prst="rect">
-            <a:avLst/>
-          </a:prstGeom>
-          <a:solidFill>
-            <a:srgbClr val="0C70D4"/>
-          </a:solidFill>
-        </p:spPr>
-      </p:sp>
-      <p:grpSp>
-        <p:nvGrpSpPr>
-          <p:cNvPr id="3" name="Group 3"/>
-          <p:cNvGrpSpPr/>
-          <p:nvPr/>
-        </p:nvGrpSpPr>
-        <p:grpSpPr>
-          <a:xfrm rot="2294618">
-            <a:off x="15469920" y="3513593"/>
-            <a:ext cx="3578760" cy="8513090"/>
-            <a:chOff x="0" y="0"/>
-            <a:chExt cx="4771680" cy="11350786"/>
-          </a:xfrm>
-        </p:grpSpPr>
-        <p:pic>
-          <p:nvPicPr>
-            <p:cNvPr id="4" name="Picture 4"/>
-            <p:cNvPicPr>
-              <a:picLocks noChangeAspect="1"/>
-            </p:cNvPicPr>
-            <p:nvPr/>
-          </p:nvPicPr>
-          <p:blipFill>
-            <a:blip r:embed="rId3"/>
-            <a:srcRect/>
-            <a:stretch>
-              <a:fillRect/>
-            </a:stretch>
-          </p:blipFill>
-          <p:spPr>
-            <a:xfrm>
-              <a:off x="0" y="6579106"/>
-              <a:ext cx="4771680" cy="4771680"/>
-            </a:xfrm>
-            <a:prstGeom prst="rect">
-              <a:avLst/>
-            </a:prstGeom>
-          </p:spPr>
-        </p:pic>
-        <p:pic>
-          <p:nvPicPr>
-            <p:cNvPr id="5" name="Picture 5"/>
-            <p:cNvPicPr>
-              <a:picLocks noChangeAspect="1"/>
-            </p:cNvPicPr>
-            <p:nvPr/>
-          </p:nvPicPr>
-          <p:blipFill>
-            <a:blip r:embed="rId3"/>
-            <a:srcRect/>
-            <a:stretch>
-              <a:fillRect/>
-            </a:stretch>
-          </p:blipFill>
-          <p:spPr>
-            <a:xfrm>
-              <a:off x="0" y="3291575"/>
-              <a:ext cx="4771680" cy="4771680"/>
-            </a:xfrm>
-            <a:prstGeom prst="rect">
-              <a:avLst/>
-            </a:prstGeom>
-          </p:spPr>
-        </p:pic>
-        <p:pic>
-          <p:nvPicPr>
-            <p:cNvPr id="6" name="Picture 6"/>
-            <p:cNvPicPr>
-              <a:picLocks noChangeAspect="1"/>
-            </p:cNvPicPr>
-            <p:nvPr/>
-          </p:nvPicPr>
-          <p:blipFill>
-            <a:blip r:embed="rId4"/>
-            <a:srcRect/>
-            <a:stretch>
-              <a:fillRect/>
-            </a:stretch>
-          </p:blipFill>
-          <p:spPr>
-            <a:xfrm>
-              <a:off x="0" y="0"/>
-              <a:ext cx="4771680" cy="4771680"/>
-            </a:xfrm>
-            <a:prstGeom prst="rect">
-              <a:avLst/>
-            </a:prstGeom>
-          </p:spPr>
-        </p:pic>
-      </p:grpSp>
-      <p:pic>
-        <p:nvPicPr>
-          <p:cNvPr id="7" name="Picture 7"/>
-          <p:cNvPicPr>
-            <a:picLocks noChangeAspect="1"/>
-          </p:cNvPicPr>
-          <p:nvPr/>
-        </p:nvPicPr>
-        <p:blipFill>
-          <a:blip r:embed="rId5"/>
-          <a:srcRect/>
-          <a:stretch>
-            <a:fillRect/>
-          </a:stretch>
-        </p:blipFill>
-        <p:spPr>
-          <a:xfrm>
-            <a:off x="306323" y="135120"/>
-            <a:ext cx="1580870" cy="1580870"/>
-          </a:xfrm>
-          <a:prstGeom prst="rect">
-            <a:avLst/>
-          </a:prstGeom>
-        </p:spPr>
-      </p:pic>
-      <p:sp>
-        <p:nvSpPr>
-          <p:cNvPr id="8" name="TextBox 8"/>
-          <p:cNvSpPr txBox="1"/>
-          <p:nvPr/>
-        </p:nvSpPr>
-        <p:spPr>
-          <a:xfrm>
-            <a:off x="1676926" y="486390"/>
-            <a:ext cx="14596574" cy="923330"/>
-          </a:xfrm>
-          <a:prstGeom prst="rect">
-            <a:avLst/>
-          </a:prstGeom>
-        </p:spPr>
-        <p:txBody>
-          <a:bodyPr wrap="square" lIns="0" tIns="0" rIns="0" bIns="0" rtlCol="0" anchor="t">
-            <a:spAutoFit/>
-          </a:bodyPr>
-          <a:lstStyle/>
-          <a:p>
-            <a:pPr algn="r">
-              <a:lnSpc>
-                <a:spcPts val="7247"/>
-              </a:lnSpc>
-            </a:pPr>
-            <a:r>
-              <a:rPr lang="en-US" sz="6649" spc="731" dirty="0">
-                <a:solidFill>
-                  <a:srgbClr val="FFFFFF"/>
-                </a:solidFill>
-                <a:latin typeface="Fira Sans Bold"/>
-              </a:rPr>
-              <a:t>THE R PACKAGE HALL OF FAME</a:t>
-            </a:r>
-          </a:p>
-        </p:txBody>
-      </p:sp>
-      <p:pic>
-        <p:nvPicPr>
-          <p:cNvPr id="1026" name="Picture 2" descr="Tidyverse data wrangling | Introduction to R - ARCHIVED">
-            <a:extLst>
-              <a:ext uri="{FF2B5EF4-FFF2-40B4-BE49-F238E27FC236}">
-                <a16:creationId xmlns:a16="http://schemas.microsoft.com/office/drawing/2014/main" id="{F720CCCA-24C8-45E2-BDA9-CAA9340CD995}"/>
-              </a:ext>
-            </a:extLst>
-          </p:cNvPr>
-          <p:cNvPicPr>
-            <a:picLocks noChangeAspect="1" noChangeArrowheads="1"/>
-          </p:cNvPicPr>
-          <p:nvPr/>
-        </p:nvPicPr>
-        <p:blipFill rotWithShape="1">
-          <a:blip r:embed="rId6">
-            <a:extLst>
-              <a:ext uri="{28A0092B-C50C-407E-A947-70E740481C1C}">
-                <a14:useLocalDpi xmlns:a14="http://schemas.microsoft.com/office/drawing/2010/main" val="0"/>
-              </a:ext>
-            </a:extLst>
-          </a:blip>
-          <a:srcRect t="18311" b="9388"/>
-          <a:stretch/>
-        </p:blipFill>
-        <p:spPr bwMode="auto">
-          <a:xfrm>
-            <a:off x="337183" y="2324100"/>
-            <a:ext cx="7696916" cy="4572000"/>
-          </a:xfrm>
-          <a:prstGeom prst="rect">
-            <a:avLst/>
-          </a:prstGeom>
-          <a:noFill/>
-          <a:extLst>
-            <a:ext uri="{909E8E84-426E-40DD-AFC4-6F175D3DCCD1}">
-              <a14:hiddenFill xmlns:a14="http://schemas.microsoft.com/office/drawing/2010/main">
-                <a:solidFill>
-                  <a:srgbClr val="FFFFFF"/>
-                </a:solidFill>
-              </a14:hiddenFill>
-            </a:ext>
-          </a:extLst>
-        </p:spPr>
-      </p:pic>
-      <p:sp>
-        <p:nvSpPr>
-          <p:cNvPr id="14" name="TextBox 13">
-            <a:extLst>
-              <a:ext uri="{FF2B5EF4-FFF2-40B4-BE49-F238E27FC236}">
-                <a16:creationId xmlns:a16="http://schemas.microsoft.com/office/drawing/2014/main" id="{25E42C96-613D-48F3-ACAE-7FEF1BC9D49E}"/>
-              </a:ext>
-            </a:extLst>
-          </p:cNvPr>
-          <p:cNvSpPr txBox="1"/>
-          <p:nvPr/>
-        </p:nvSpPr>
-        <p:spPr>
-          <a:xfrm>
-            <a:off x="990600" y="7194822"/>
-            <a:ext cx="5867400" cy="2062103"/>
-          </a:xfrm>
-          <a:prstGeom prst="rect">
-            <a:avLst/>
-          </a:prstGeom>
-          <a:noFill/>
-        </p:spPr>
-        <p:txBody>
-          <a:bodyPr wrap="square">
-            <a:spAutoFit/>
-          </a:bodyPr>
-          <a:lstStyle/>
-          <a:p>
-            <a:pPr marL="285750" indent="-285750">
-              <a:buFont typeface="Arial" panose="020B0604020202020204" pitchFamily="34" charset="0"/>
-              <a:buChar char="•"/>
-            </a:pPr>
-            <a:r>
-              <a:rPr lang="en-US" sz="3200" dirty="0">
-                <a:latin typeface="Fira Sans Medium" panose="020B0603050000020004" pitchFamily="34" charset="0"/>
-              </a:rPr>
-              <a:t>Data visualization</a:t>
-            </a:r>
-          </a:p>
-          <a:p>
-            <a:pPr marL="285750" indent="-285750">
-              <a:buFont typeface="Arial" panose="020B0604020202020204" pitchFamily="34" charset="0"/>
-              <a:buChar char="•"/>
-            </a:pPr>
-            <a:r>
-              <a:rPr lang="en-US" sz="3200" dirty="0">
-                <a:latin typeface="Fira Sans Medium" panose="020B0603050000020004" pitchFamily="34" charset="0"/>
-              </a:rPr>
-              <a:t>Data manipulation (rows, columns, joins ... think Power Query)</a:t>
-            </a:r>
-          </a:p>
-        </p:txBody>
-      </p:sp>
-      <p:pic>
-        <p:nvPicPr>
-          <p:cNvPr id="1028" name="Picture 4" descr="The Case for tidymodels · R Views">
-            <a:extLst>
-              <a:ext uri="{FF2B5EF4-FFF2-40B4-BE49-F238E27FC236}">
-                <a16:creationId xmlns:a16="http://schemas.microsoft.com/office/drawing/2014/main" id="{C10642F5-134D-4319-BD3A-A89DB6116C0B}"/>
-              </a:ext>
-            </a:extLst>
-          </p:cNvPr>
-          <p:cNvPicPr>
-            <a:picLocks noChangeAspect="1" noChangeArrowheads="1"/>
-          </p:cNvPicPr>
-          <p:nvPr/>
-        </p:nvPicPr>
-        <p:blipFill>
-          <a:blip r:embed="rId7">
-            <a:extLst>
-              <a:ext uri="{28A0092B-C50C-407E-A947-70E740481C1C}">
-                <a14:useLocalDpi xmlns:a14="http://schemas.microsoft.com/office/drawing/2010/main" val="0"/>
-              </a:ext>
-            </a:extLst>
-          </a:blip>
-          <a:srcRect/>
-          <a:stretch>
-            <a:fillRect/>
-          </a:stretch>
-        </p:blipFill>
-        <p:spPr bwMode="auto">
-          <a:xfrm>
-            <a:off x="12028287" y="2261570"/>
-            <a:ext cx="4772025" cy="4857750"/>
-          </a:xfrm>
-          <a:prstGeom prst="rect">
-            <a:avLst/>
-          </a:prstGeom>
-          <a:noFill/>
-          <a:extLst>
-            <a:ext uri="{909E8E84-426E-40DD-AFC4-6F175D3DCCD1}">
-              <a14:hiddenFill xmlns:a14="http://schemas.microsoft.com/office/drawing/2010/main">
-                <a:solidFill>
-                  <a:srgbClr val="FFFFFF"/>
-                </a:solidFill>
-              </a14:hiddenFill>
-            </a:ext>
-          </a:extLst>
-        </p:spPr>
-      </p:pic>
-      <p:sp>
-        <p:nvSpPr>
-          <p:cNvPr id="16" name="TextBox 15">
-            <a:extLst>
-              <a:ext uri="{FF2B5EF4-FFF2-40B4-BE49-F238E27FC236}">
-                <a16:creationId xmlns:a16="http://schemas.microsoft.com/office/drawing/2014/main" id="{6F60ED81-369C-4697-92E8-833629C8DC75}"/>
-              </a:ext>
-            </a:extLst>
-          </p:cNvPr>
-          <p:cNvSpPr txBox="1"/>
-          <p:nvPr/>
-        </p:nvSpPr>
-        <p:spPr>
-          <a:xfrm>
-            <a:off x="11582400" y="7194822"/>
-            <a:ext cx="3733800" cy="2062103"/>
-          </a:xfrm>
-          <a:prstGeom prst="rect">
-            <a:avLst/>
-          </a:prstGeom>
-          <a:noFill/>
-        </p:spPr>
-        <p:txBody>
-          <a:bodyPr wrap="square">
-            <a:spAutoFit/>
-          </a:bodyPr>
-          <a:lstStyle/>
-          <a:p>
-            <a:pPr marL="285750" indent="-285750">
-              <a:buFont typeface="Arial" panose="020B0604020202020204" pitchFamily="34" charset="0"/>
-              <a:buChar char="•"/>
-            </a:pPr>
-            <a:r>
-              <a:rPr lang="en-US" sz="3200" dirty="0">
-                <a:latin typeface="Fira Sans Medium" panose="020B0603050000020004" pitchFamily="34" charset="0"/>
-              </a:rPr>
-              <a:t>Model preprocessing</a:t>
-            </a:r>
-          </a:p>
-          <a:p>
-            <a:pPr marL="285750" indent="-285750">
-              <a:buFont typeface="Arial" panose="020B0604020202020204" pitchFamily="34" charset="0"/>
-              <a:buChar char="•"/>
-            </a:pPr>
-            <a:r>
-              <a:rPr lang="en-US" sz="3200" dirty="0">
-                <a:latin typeface="Fira Sans Medium" panose="020B0603050000020004" pitchFamily="34" charset="0"/>
-              </a:rPr>
-              <a:t>Machine learning</a:t>
-            </a:r>
-          </a:p>
-          <a:p>
-            <a:pPr marL="285750" indent="-285750">
-              <a:buFont typeface="Arial" panose="020B0604020202020204" pitchFamily="34" charset="0"/>
-              <a:buChar char="•"/>
-            </a:pPr>
-            <a:r>
-              <a:rPr lang="en-US" sz="3200" dirty="0">
-                <a:latin typeface="Fira Sans Medium" panose="020B0603050000020004" pitchFamily="34" charset="0"/>
-              </a:rPr>
-              <a:t>Evaluation </a:t>
-            </a:r>
-          </a:p>
-        </p:txBody>
-      </p:sp>
-    </p:spTree>
-    <p:extLst>
-      <p:ext uri="{BB962C8B-B14F-4D97-AF65-F5344CB8AC3E}">
-        <p14:creationId xmlns:p14="http://schemas.microsoft.com/office/powerpoint/2010/main" val="2807240029"/>
-      </p:ext>
-    </p:extLst>
-  </p:cSld>
-  <p:clrMapOvr>
-    <a:masterClrMapping/>
-  </p:clrMapOvr>
-</p:sld>
-</file>
-
-<file path=ppt/slides/slide9.xml><?xml version="1.0" encoding="utf-8"?>
-<p:sld xmlns:a="http://schemas.openxmlformats.org/drawingml/2006/main" xmlns:r="http://schemas.openxmlformats.org/officeDocument/2006/relationships" xmlns:p="http://schemas.openxmlformats.org/presentationml/2006/main">
-  <p:cSld>
     <p:bg>
       <p:bgPr>
         <a:solidFill>
@@ -10933,6 +8314,316 @@
         <p14:creationId xmlns:p14="http://schemas.microsoft.com/office/powerpoint/2010/main" val="3809882574"/>
       </p:ext>
     </p:extLst>
+  </p:cSld>
+  <p:clrMapOvr>
+    <a:masterClrMapping/>
+  </p:clrMapOvr>
+</p:sld>
+</file>
+
+<file path=ppt/slides/slide9.xml><?xml version="1.0" encoding="utf-8"?>
+<p:sld xmlns:a="http://schemas.openxmlformats.org/drawingml/2006/main" xmlns:r="http://schemas.openxmlformats.org/officeDocument/2006/relationships" xmlns:p="http://schemas.openxmlformats.org/presentationml/2006/main">
+  <p:cSld>
+    <p:spTree>
+      <p:nvGrpSpPr>
+        <p:cNvPr id="1" name=""/>
+        <p:cNvGrpSpPr/>
+        <p:nvPr/>
+      </p:nvGrpSpPr>
+      <p:grpSpPr>
+        <a:xfrm>
+          <a:off x="0" y="0"/>
+          <a:ext cx="0" cy="0"/>
+          <a:chOff x="0" y="0"/>
+          <a:chExt cx="0" cy="0"/>
+        </a:xfrm>
+      </p:grpSpPr>
+      <p:sp>
+        <p:nvSpPr>
+          <p:cNvPr id="2" name="AutoShape 2"/>
+          <p:cNvSpPr/>
+          <p:nvPr/>
+        </p:nvSpPr>
+        <p:spPr>
+          <a:xfrm>
+            <a:off x="0" y="0"/>
+            <a:ext cx="18288000" cy="1910300"/>
+          </a:xfrm>
+          <a:prstGeom prst="rect">
+            <a:avLst/>
+          </a:prstGeom>
+          <a:solidFill>
+            <a:srgbClr val="0C70D4"/>
+          </a:solidFill>
+        </p:spPr>
+      </p:sp>
+      <p:grpSp>
+        <p:nvGrpSpPr>
+          <p:cNvPr id="3" name="Group 3"/>
+          <p:cNvGrpSpPr/>
+          <p:nvPr/>
+        </p:nvGrpSpPr>
+        <p:grpSpPr>
+          <a:xfrm rot="2294618">
+            <a:off x="15469920" y="3513593"/>
+            <a:ext cx="3578760" cy="8513090"/>
+            <a:chOff x="0" y="0"/>
+            <a:chExt cx="4771680" cy="11350786"/>
+          </a:xfrm>
+        </p:grpSpPr>
+        <p:pic>
+          <p:nvPicPr>
+            <p:cNvPr id="4" name="Picture 4"/>
+            <p:cNvPicPr>
+              <a:picLocks noChangeAspect="1"/>
+            </p:cNvPicPr>
+            <p:nvPr/>
+          </p:nvPicPr>
+          <p:blipFill>
+            <a:blip r:embed="rId2"/>
+            <a:srcRect/>
+            <a:stretch>
+              <a:fillRect/>
+            </a:stretch>
+          </p:blipFill>
+          <p:spPr>
+            <a:xfrm>
+              <a:off x="0" y="6579106"/>
+              <a:ext cx="4771680" cy="4771680"/>
+            </a:xfrm>
+            <a:prstGeom prst="rect">
+              <a:avLst/>
+            </a:prstGeom>
+          </p:spPr>
+        </p:pic>
+        <p:pic>
+          <p:nvPicPr>
+            <p:cNvPr id="5" name="Picture 5"/>
+            <p:cNvPicPr>
+              <a:picLocks noChangeAspect="1"/>
+            </p:cNvPicPr>
+            <p:nvPr/>
+          </p:nvPicPr>
+          <p:blipFill>
+            <a:blip r:embed="rId2"/>
+            <a:srcRect/>
+            <a:stretch>
+              <a:fillRect/>
+            </a:stretch>
+          </p:blipFill>
+          <p:spPr>
+            <a:xfrm>
+              <a:off x="0" y="3291575"/>
+              <a:ext cx="4771680" cy="4771680"/>
+            </a:xfrm>
+            <a:prstGeom prst="rect">
+              <a:avLst/>
+            </a:prstGeom>
+          </p:spPr>
+        </p:pic>
+        <p:pic>
+          <p:nvPicPr>
+            <p:cNvPr id="6" name="Picture 6"/>
+            <p:cNvPicPr>
+              <a:picLocks noChangeAspect="1"/>
+            </p:cNvPicPr>
+            <p:nvPr/>
+          </p:nvPicPr>
+          <p:blipFill>
+            <a:blip r:embed="rId3"/>
+            <a:srcRect/>
+            <a:stretch>
+              <a:fillRect/>
+            </a:stretch>
+          </p:blipFill>
+          <p:spPr>
+            <a:xfrm>
+              <a:off x="0" y="0"/>
+              <a:ext cx="4771680" cy="4771680"/>
+            </a:xfrm>
+            <a:prstGeom prst="rect">
+              <a:avLst/>
+            </a:prstGeom>
+          </p:spPr>
+        </p:pic>
+      </p:grpSp>
+      <p:pic>
+        <p:nvPicPr>
+          <p:cNvPr id="7" name="Picture 7"/>
+          <p:cNvPicPr>
+            <a:picLocks noChangeAspect="1"/>
+          </p:cNvPicPr>
+          <p:nvPr/>
+        </p:nvPicPr>
+        <p:blipFill>
+          <a:blip r:embed="rId4"/>
+          <a:srcRect/>
+          <a:stretch>
+            <a:fillRect/>
+          </a:stretch>
+        </p:blipFill>
+        <p:spPr>
+          <a:xfrm>
+            <a:off x="306323" y="135120"/>
+            <a:ext cx="1580870" cy="1580870"/>
+          </a:xfrm>
+          <a:prstGeom prst="rect">
+            <a:avLst/>
+          </a:prstGeom>
+        </p:spPr>
+      </p:pic>
+      <p:sp>
+        <p:nvSpPr>
+          <p:cNvPr id="8" name="TextBox 8"/>
+          <p:cNvSpPr txBox="1"/>
+          <p:nvPr/>
+        </p:nvSpPr>
+        <p:spPr>
+          <a:xfrm>
+            <a:off x="1676926" y="486390"/>
+            <a:ext cx="14782274" cy="837537"/>
+          </a:xfrm>
+          <a:prstGeom prst="rect">
+            <a:avLst/>
+          </a:prstGeom>
+        </p:spPr>
+        <p:txBody>
+          <a:bodyPr wrap="square" lIns="0" tIns="0" rIns="0" bIns="0" rtlCol="0" anchor="t">
+            <a:spAutoFit/>
+          </a:bodyPr>
+          <a:lstStyle/>
+          <a:p>
+            <a:pPr algn="r">
+              <a:lnSpc>
+                <a:spcPts val="7247"/>
+              </a:lnSpc>
+            </a:pPr>
+            <a:r>
+              <a:rPr lang="en-US" sz="4400" spc="731" dirty="0">
+                <a:solidFill>
+                  <a:srgbClr val="FFFFFF"/>
+                </a:solidFill>
+                <a:latin typeface="Fira Sans Bold"/>
+              </a:rPr>
+              <a:t>IT’S AVAILABLE IN POWER BI FOR A REASON</a:t>
+            </a:r>
+          </a:p>
+        </p:txBody>
+      </p:sp>
+      <p:sp>
+        <p:nvSpPr>
+          <p:cNvPr id="9" name="TextBox 8">
+            <a:extLst>
+              <a:ext uri="{FF2B5EF4-FFF2-40B4-BE49-F238E27FC236}">
+                <a16:creationId xmlns:a16="http://schemas.microsoft.com/office/drawing/2014/main" id="{FA887A00-FADE-43D2-9F35-74E1CAF667FE}"/>
+              </a:ext>
+            </a:extLst>
+          </p:cNvPr>
+          <p:cNvSpPr txBox="1"/>
+          <p:nvPr/>
+        </p:nvSpPr>
+        <p:spPr>
+          <a:xfrm>
+            <a:off x="838200" y="2324100"/>
+            <a:ext cx="10058400" cy="3785652"/>
+          </a:xfrm>
+          <a:prstGeom prst="rect">
+            <a:avLst/>
+          </a:prstGeom>
+          <a:noFill/>
+        </p:spPr>
+        <p:txBody>
+          <a:bodyPr wrap="square" rtlCol="0">
+            <a:spAutoFit/>
+          </a:bodyPr>
+          <a:lstStyle/>
+          <a:p>
+            <a:pPr marL="571500" indent="-571500">
+              <a:buFont typeface="Arial" panose="020B0604020202020204" pitchFamily="34" charset="0"/>
+              <a:buChar char="•"/>
+            </a:pPr>
+            <a:r>
+              <a:rPr lang="en-US" sz="4000" dirty="0">
+                <a:latin typeface="Fira Sans Medium" panose="020B0603050000020004" pitchFamily="34" charset="0"/>
+              </a:rPr>
+              <a:t>Statistical analysis</a:t>
+            </a:r>
+          </a:p>
+          <a:p>
+            <a:pPr marL="571500" indent="-571500">
+              <a:buFont typeface="Arial" panose="020B0604020202020204" pitchFamily="34" charset="0"/>
+              <a:buChar char="•"/>
+            </a:pPr>
+            <a:r>
+              <a:rPr lang="en-US" sz="4000" dirty="0">
+                <a:latin typeface="Fira Sans Medium" panose="020B0603050000020004" pitchFamily="34" charset="0"/>
+              </a:rPr>
+              <a:t>Data visualizations</a:t>
+            </a:r>
+          </a:p>
+          <a:p>
+            <a:pPr marL="571500" indent="-571500">
+              <a:buFont typeface="Arial" panose="020B0604020202020204" pitchFamily="34" charset="0"/>
+              <a:buChar char="•"/>
+            </a:pPr>
+            <a:endParaRPr lang="en-US" sz="4000" dirty="0">
+              <a:latin typeface="Fira Sans Medium" panose="020B0603050000020004" pitchFamily="34" charset="0"/>
+            </a:endParaRPr>
+          </a:p>
+          <a:p>
+            <a:pPr marL="571500" indent="-571500">
+              <a:buFont typeface="Arial" panose="020B0604020202020204" pitchFamily="34" charset="0"/>
+              <a:buChar char="•"/>
+            </a:pPr>
+            <a:r>
+              <a:rPr lang="en-US" sz="4000" i="1" dirty="0">
+                <a:solidFill>
+                  <a:schemeClr val="bg1">
+                    <a:lumMod val="50000"/>
+                  </a:schemeClr>
+                </a:solidFill>
+                <a:latin typeface="Fira Sans Medium" panose="020B0603050000020004" pitchFamily="34" charset="0"/>
+              </a:rPr>
+              <a:t>Large/unusual datasets</a:t>
+            </a:r>
+          </a:p>
+          <a:p>
+            <a:pPr marL="571500" indent="-571500">
+              <a:buFont typeface="Arial" panose="020B0604020202020204" pitchFamily="34" charset="0"/>
+              <a:buChar char="•"/>
+            </a:pPr>
+            <a:r>
+              <a:rPr lang="en-US" sz="4000" i="1" dirty="0">
+                <a:solidFill>
+                  <a:schemeClr val="bg1">
+                    <a:lumMod val="50000"/>
+                  </a:schemeClr>
+                </a:solidFill>
+                <a:latin typeface="Fira Sans Medium" panose="020B0603050000020004" pitchFamily="34" charset="0"/>
+              </a:rPr>
+              <a:t>Text</a:t>
+            </a:r>
+          </a:p>
+          <a:p>
+            <a:pPr marL="571500" indent="-571500">
+              <a:buFont typeface="Arial" panose="020B0604020202020204" pitchFamily="34" charset="0"/>
+              <a:buChar char="•"/>
+            </a:pPr>
+            <a:r>
+              <a:rPr lang="en-US" sz="4000" i="1" dirty="0">
+                <a:solidFill>
+                  <a:schemeClr val="bg1">
+                    <a:lumMod val="50000"/>
+                  </a:schemeClr>
+                </a:solidFill>
+                <a:latin typeface="Fira Sans Medium" panose="020B0603050000020004" pitchFamily="34" charset="0"/>
+              </a:rPr>
+              <a:t>Machine learning</a:t>
+            </a:r>
+          </a:p>
+        </p:txBody>
+      </p:sp>
+    </p:spTree>
   </p:cSld>
   <p:clrMapOvr>
     <a:masterClrMapping/>
@@ -11519,15 +9210,6 @@
 </file>
 
 <file path=customXml/item1.xml><?xml version="1.0" encoding="utf-8"?>
-<?mso-contentType ?>
-<FormTemplates xmlns="http://schemas.microsoft.com/sharepoint/v3/contenttype/forms">
-  <Display>DocumentLibraryForm</Display>
-  <Edit>DocumentLibraryForm</Edit>
-  <New>DocumentLibraryForm</New>
-</FormTemplates>
-</file>
-
-<file path=customXml/item2.xml><?xml version="1.0" encoding="utf-8"?>
 <ct:contentTypeSchema xmlns:ct="http://schemas.microsoft.com/office/2006/metadata/contentType" xmlns:ma="http://schemas.microsoft.com/office/2006/metadata/properties/metaAttributes" ct:_="" ma:_="" ma:contentTypeName="Document" ma:contentTypeID="0x0101006EF09FB187B9B84793DBC132EEBE2230" ma:contentTypeVersion="12" ma:contentTypeDescription="Create a new document." ma:contentTypeScope="" ma:versionID="5b6562d886850e7a26df130f65c39b40">
   <xsd:schema xmlns:xsd="http://www.w3.org/2001/XMLSchema" xmlns:xs="http://www.w3.org/2001/XMLSchema" xmlns:p="http://schemas.microsoft.com/office/2006/metadata/properties" xmlns:ns2="a08ef4ae-eb2d-43fd-9aa1-597ac51ccd6f" xmlns:ns3="86b59944-c92b-47ac-9d30-5bf03be2cde5" targetNamespace="http://schemas.microsoft.com/office/2006/metadata/properties" ma:root="true" ma:fieldsID="cf0a0ff621391093d509f8465489fbe5" ns2:_="" ns3:_="">
     <xsd:import namespace="a08ef4ae-eb2d-43fd-9aa1-597ac51ccd6f"/>
@@ -11744,21 +9426,22 @@
 </ct:contentTypeSchema>
 </file>
 
-<file path=customXml/item3.xml><?xml version="1.0" encoding="utf-8"?>
+<file path=customXml/item2.xml><?xml version="1.0" encoding="utf-8"?>
 <p:properties xmlns:p="http://schemas.microsoft.com/office/2006/metadata/properties" xmlns:xsi="http://www.w3.org/2001/XMLSchema-instance" xmlns:pc="http://schemas.microsoft.com/office/infopath/2007/PartnerControls">
   <documentManagement/>
 </p:properties>
 </file>
 
-<file path=customXml/itemProps1.xml><?xml version="1.0" encoding="utf-8"?>
-<ds:datastoreItem xmlns:ds="http://schemas.openxmlformats.org/officeDocument/2006/customXml" ds:itemID="{481E6B5E-41BE-480D-A76C-3D967E91D665}">
-  <ds:schemaRefs>
-    <ds:schemaRef ds:uri="http://schemas.microsoft.com/sharepoint/v3/contenttype/forms"/>
-  </ds:schemaRefs>
-</ds:datastoreItem>
+<file path=customXml/item3.xml><?xml version="1.0" encoding="utf-8"?>
+<?mso-contentType ?>
+<FormTemplates xmlns="http://schemas.microsoft.com/sharepoint/v3/contenttype/forms">
+  <Display>DocumentLibraryForm</Display>
+  <Edit>DocumentLibraryForm</Edit>
+  <New>DocumentLibraryForm</New>
+</FormTemplates>
 </file>
 
-<file path=customXml/itemProps2.xml><?xml version="1.0" encoding="utf-8"?>
+<file path=customXml/itemProps1.xml><?xml version="1.0" encoding="utf-8"?>
 <ds:datastoreItem xmlns:ds="http://schemas.openxmlformats.org/officeDocument/2006/customXml" ds:itemID="{7B4B75E3-7A1D-47BC-9BDD-2F171419F1A4}">
   <ds:schemaRefs>
     <ds:schemaRef ds:uri="http://schemas.microsoft.com/office/2006/metadata/contentType"/>
@@ -11777,11 +9460,19 @@
 </ds:datastoreItem>
 </file>
 
-<file path=customXml/itemProps3.xml><?xml version="1.0" encoding="utf-8"?>
+<file path=customXml/itemProps2.xml><?xml version="1.0" encoding="utf-8"?>
 <ds:datastoreItem xmlns:ds="http://schemas.openxmlformats.org/officeDocument/2006/customXml" ds:itemID="{DB2322FB-358A-4635-BB66-4945EA6C29D0}">
   <ds:schemaRefs>
     <ds:schemaRef ds:uri="http://schemas.microsoft.com/office/2006/metadata/properties"/>
     <ds:schemaRef ds:uri="http://schemas.microsoft.com/office/infopath/2007/PartnerControls"/>
   </ds:schemaRefs>
 </ds:datastoreItem>
+</file>
+
+<file path=customXml/itemProps3.xml><?xml version="1.0" encoding="utf-8"?>
+<ds:datastoreItem xmlns:ds="http://schemas.openxmlformats.org/officeDocument/2006/customXml" ds:itemID="{481E6B5E-41BE-480D-A76C-3D967E91D665}">
+  <ds:schemaRefs>
+    <ds:schemaRef ds:uri="http://schemas.microsoft.com/sharepoint/v3/contenttype/forms"/>
+  </ds:schemaRefs>
+</ds:datastoreItem>
 </file>
--- a/mount-george-r-pbi-exploration.pptx
+++ b/mount-george-r-pbi-exploration.pptx
@@ -6612,7 +6612,7 @@
         <p:spPr>
           <a:xfrm>
             <a:off x="762000" y="2400300"/>
-            <a:ext cx="9296400" cy="4154984"/>
+            <a:ext cx="9296400" cy="2800767"/>
           </a:xfrm>
           <a:prstGeom prst="rect">
             <a:avLst/>
@@ -6661,50 +6661,8 @@
               <a:t>Download: Code &gt; Download ZIP</a:t>
             </a:r>
           </a:p>
-          <a:p>
-            <a:pPr marL="742950" lvl="1" indent="-285750">
-              <a:buFont typeface="Arial" panose="020B0604020202020204" pitchFamily="34" charset="0"/>
-              <a:buChar char="•"/>
-            </a:pPr>
-            <a:r>
-              <a:rPr lang="en-US" sz="4400" dirty="0">
-                <a:latin typeface="Fira Sans Medium" panose="020B0603050000020004" pitchFamily="34" charset="0"/>
-              </a:rPr>
-              <a:t>Run on the cloud: Click “launch Binder”</a:t>
-            </a:r>
-          </a:p>
-        </p:txBody>
-      </p:sp>
-      <p:pic>
-        <p:nvPicPr>
-          <p:cNvPr id="11" name="Picture 10">
-            <a:extLst>
-              <a:ext uri="{FF2B5EF4-FFF2-40B4-BE49-F238E27FC236}">
-                <a16:creationId xmlns:a16="http://schemas.microsoft.com/office/drawing/2014/main" id="{14F8C9BC-3589-44D6-9BA7-ED7EF1C7FD75}"/>
-              </a:ext>
-            </a:extLst>
-          </p:cNvPr>
-          <p:cNvPicPr>
-            <a:picLocks noChangeAspect="1"/>
-          </p:cNvPicPr>
-          <p:nvPr/>
-        </p:nvPicPr>
-        <p:blipFill>
-          <a:blip r:embed="rId6"/>
-          <a:stretch>
-            <a:fillRect/>
-          </a:stretch>
-        </p:blipFill>
-        <p:spPr>
-          <a:xfrm>
-            <a:off x="7309497" y="6438900"/>
-            <a:ext cx="8128000" cy="1219200"/>
-          </a:xfrm>
-          <a:prstGeom prst="rect">
-            <a:avLst/>
-          </a:prstGeom>
-        </p:spPr>
-      </p:pic>
+        </p:txBody>
+      </p:sp>
     </p:spTree>
   </p:cSld>
   <p:clrMapOvr>
@@ -7808,13 +7766,15 @@
               </a:ext>
             </a:extLst>
           </p:cNvPr>
-          <p:cNvCxnSpPr/>
+          <p:cNvCxnSpPr>
+            <a:cxnSpLocks/>
+          </p:cNvCxnSpPr>
           <p:nvPr/>
         </p:nvCxnSpPr>
         <p:spPr>
           <a:xfrm flipH="1" flipV="1">
             <a:off x="2338041" y="3696596"/>
-            <a:ext cx="990600" cy="457200"/>
+            <a:ext cx="1929159" cy="1966578"/>
           </a:xfrm>
           <a:prstGeom prst="straightConnector1">
             <a:avLst/>
@@ -9210,6 +9170,12 @@
 </file>
 
 <file path=customXml/item1.xml><?xml version="1.0" encoding="utf-8"?>
+<p:properties xmlns:p="http://schemas.microsoft.com/office/2006/metadata/properties" xmlns:xsi="http://www.w3.org/2001/XMLSchema-instance" xmlns:pc="http://schemas.microsoft.com/office/infopath/2007/PartnerControls">
+  <documentManagement/>
+</p:properties>
+</file>
+
+<file path=customXml/item2.xml><?xml version="1.0" encoding="utf-8"?>
 <ct:contentTypeSchema xmlns:ct="http://schemas.microsoft.com/office/2006/metadata/contentType" xmlns:ma="http://schemas.microsoft.com/office/2006/metadata/properties/metaAttributes" ct:_="" ma:_="" ma:contentTypeName="Document" ma:contentTypeID="0x0101006EF09FB187B9B84793DBC132EEBE2230" ma:contentTypeVersion="12" ma:contentTypeDescription="Create a new document." ma:contentTypeScope="" ma:versionID="5b6562d886850e7a26df130f65c39b40">
   <xsd:schema xmlns:xsd="http://www.w3.org/2001/XMLSchema" xmlns:xs="http://www.w3.org/2001/XMLSchema" xmlns:p="http://schemas.microsoft.com/office/2006/metadata/properties" xmlns:ns2="a08ef4ae-eb2d-43fd-9aa1-597ac51ccd6f" xmlns:ns3="86b59944-c92b-47ac-9d30-5bf03be2cde5" targetNamespace="http://schemas.microsoft.com/office/2006/metadata/properties" ma:root="true" ma:fieldsID="cf0a0ff621391093d509f8465489fbe5" ns2:_="" ns3:_="">
     <xsd:import namespace="a08ef4ae-eb2d-43fd-9aa1-597ac51ccd6f"/>
@@ -9426,12 +9392,6 @@
 </ct:contentTypeSchema>
 </file>
 
-<file path=customXml/item2.xml><?xml version="1.0" encoding="utf-8"?>
-<p:properties xmlns:p="http://schemas.microsoft.com/office/2006/metadata/properties" xmlns:xsi="http://www.w3.org/2001/XMLSchema-instance" xmlns:pc="http://schemas.microsoft.com/office/infopath/2007/PartnerControls">
-  <documentManagement/>
-</p:properties>
-</file>
-
 <file path=customXml/item3.xml><?xml version="1.0" encoding="utf-8"?>
 <?mso-contentType ?>
 <FormTemplates xmlns="http://schemas.microsoft.com/sharepoint/v3/contenttype/forms">
@@ -9442,6 +9402,15 @@
 </file>
 
 <file path=customXml/itemProps1.xml><?xml version="1.0" encoding="utf-8"?>
+<ds:datastoreItem xmlns:ds="http://schemas.openxmlformats.org/officeDocument/2006/customXml" ds:itemID="{DB2322FB-358A-4635-BB66-4945EA6C29D0}">
+  <ds:schemaRefs>
+    <ds:schemaRef ds:uri="http://schemas.microsoft.com/office/2006/metadata/properties"/>
+    <ds:schemaRef ds:uri="http://schemas.microsoft.com/office/infopath/2007/PartnerControls"/>
+  </ds:schemaRefs>
+</ds:datastoreItem>
+</file>
+
+<file path=customXml/itemProps2.xml><?xml version="1.0" encoding="utf-8"?>
 <ds:datastoreItem xmlns:ds="http://schemas.openxmlformats.org/officeDocument/2006/customXml" ds:itemID="{7B4B75E3-7A1D-47BC-9BDD-2F171419F1A4}">
   <ds:schemaRefs>
     <ds:schemaRef ds:uri="http://schemas.microsoft.com/office/2006/metadata/contentType"/>
@@ -9460,15 +9429,6 @@
 </ds:datastoreItem>
 </file>
 
-<file path=customXml/itemProps2.xml><?xml version="1.0" encoding="utf-8"?>
-<ds:datastoreItem xmlns:ds="http://schemas.openxmlformats.org/officeDocument/2006/customXml" ds:itemID="{DB2322FB-358A-4635-BB66-4945EA6C29D0}">
-  <ds:schemaRefs>
-    <ds:schemaRef ds:uri="http://schemas.microsoft.com/office/2006/metadata/properties"/>
-    <ds:schemaRef ds:uri="http://schemas.microsoft.com/office/infopath/2007/PartnerControls"/>
-  </ds:schemaRefs>
-</ds:datastoreItem>
-</file>
-
 <file path=customXml/itemProps3.xml><?xml version="1.0" encoding="utf-8"?>
 <ds:datastoreItem xmlns:ds="http://schemas.openxmlformats.org/officeDocument/2006/customXml" ds:itemID="{481E6B5E-41BE-480D-A76C-3D967E91D665}">
   <ds:schemaRefs>
